--- a/output/ppPartyTheme.pptx
+++ b/output/ppPartyTheme.pptx
@@ -4,6 +4,9 @@
   <p:sldMasterIdLst>
     <p:sldMasterId id="2147483648" r:id="rId1"/>
   </p:sldMasterIdLst>
+  <p:notesMasterIdLst>
+    <p:notesMasterId r:id="rId15"/>
+  </p:notesMasterIdLst>
   <p:sldIdLst>
     <p:sldId id="256" r:id="rId2"/>
     <p:sldId id="257" r:id="rId3"/>
@@ -19,9 +22,6 @@
     <p:sldId id="267" r:id="rId13"/>
     <p:sldId id="268" r:id="rId14"/>
   </p:sldIdLst>
-  <p:notesMasterIdLst>
-    <p:notesMasterId r:id="rId15"/>
-  </p:notesMasterIdLst>
   <p:sldSz cx="12192000" cy="6858000"/>
   <p:notesSz cx="6858000" cy="12192000"/>
   <p:defaultTextStyle>
@@ -116,6 +116,11 @@
       </a:defRPr>
     </a:lvl9pPr>
   </p:defaultTextStyle>
+  <p:extLst>
+    <p:ext uri="{EFAFB233-063F-42B5-8137-9DF3F51BA10A}">
+      <p15:sldGuideLst xmlns:p15="http://schemas.microsoft.com/office/powerpoint/2012/main"/>
+    </p:ext>
+  </p:extLst>
 </p:presentation>
 </file>
 
@@ -141,234 +146,10 @@
           <a:chExt cx="0" cy="0"/>
         </a:xfrm>
       </p:grpSpPr>
-      <p:sp>
-        <p:nvSpPr>
-          <p:cNvPr id="2" name="Header Placeholder 1"/>
-          <p:cNvSpPr>
-            <a:spLocks noGrp="1"/>
-          </p:cNvSpPr>
-          <p:nvPr>
-            <p:ph type="hdr" sz="quarter"/>
-          </p:nvPr>
-        </p:nvSpPr>
-        <p:spPr>
-          <a:xfrm>
-            <a:off x="0" y="0"/>
-            <a:ext cx="2971800" cy="458788"/>
-          </a:xfrm>
-          <a:prstGeom prst="rect">
-            <a:avLst/>
-          </a:prstGeom>
-        </p:spPr>
-        <p:txBody>
-          <a:bodyPr vert="horz" lIns="91440" tIns="45720" rIns="91440" bIns="45720" rtlCol="0"/>
-          <a:lstStyle>
-            <a:lvl1pPr algn="l">
-              <a:defRPr sz="1200"/>
-            </a:lvl1pPr>
-          </a:lstStyle>
-          <a:p>
-            <a:endParaRPr lang="en-US"/>
-          </a:p>
-        </p:txBody>
-      </p:sp>
-      <p:sp>
-        <p:nvSpPr>
-          <p:cNvPr id="3" name="Date Placeholder 2"/>
-          <p:cNvSpPr>
-            <a:spLocks noGrp="1"/>
-          </p:cNvSpPr>
-          <p:nvPr>
-            <p:ph type="dt" idx="1"/>
-          </p:nvPr>
-        </p:nvSpPr>
-        <p:spPr>
-          <a:xfrm>
-            <a:off x="3884613" y="0"/>
-            <a:ext cx="2971800" cy="458788"/>
-          </a:xfrm>
-          <a:prstGeom prst="rect">
-            <a:avLst/>
-          </a:prstGeom>
-        </p:spPr>
-        <p:txBody>
-          <a:bodyPr vert="horz" lIns="91440" tIns="45720" rIns="91440" bIns="45720" rtlCol="0"/>
-          <a:lstStyle>
-            <a:lvl1pPr algn="r">
-              <a:defRPr sz="1200"/>
-            </a:lvl1pPr>
-          </a:lstStyle>
-          <a:p>
-            <a:fld id="{5282F153-3F37-0F45-9E97-73ACFA13230C}" type="datetimeFigureOut">
-              <a:rPr lang="en-US"/>
-              <a:t>7/23/19</a:t>
-            </a:fld>
-            <a:endParaRPr lang="en-US"/>
-          </a:p>
-        </p:txBody>
-      </p:sp>
-      <p:sp>
-        <p:nvSpPr>
-          <p:cNvPr id="4" name="Slide Image Placeholder 3"/>
-          <p:cNvSpPr>
-            <a:spLocks noGrp="1" noRot="1" noChangeAspect="1"/>
-          </p:cNvSpPr>
-          <p:nvPr>
-            <p:ph type="sldImg" idx="2"/>
-          </p:nvPr>
-        </p:nvSpPr>
-        <p:spPr>
-          <a:xfrm>
-            <a:off x="685800" y="1143000"/>
-            <a:ext cx="5486400" cy="3086100"/>
-          </a:xfrm>
-          <a:prstGeom prst="rect">
-            <a:avLst/>
-          </a:prstGeom>
-          <a:noFill/>
-          <a:ln w="12700">
-            <a:solidFill>
-              <a:prstClr val="black"/>
-            </a:solidFill>
-          </a:ln>
-        </p:spPr>
-        <p:txBody>
-          <a:bodyPr vert="horz" lIns="91440" tIns="45720" rIns="91440" bIns="45720" rtlCol="0" anchor="ctr"/>
-          <a:lstStyle/>
-          <a:p>
-            <a:endParaRPr lang="en-US"/>
-          </a:p>
-        </p:txBody>
-      </p:sp>
-      <p:sp>
-        <p:nvSpPr>
-          <p:cNvPr id="5" name="Notes Placeholder 4"/>
-          <p:cNvSpPr>
-            <a:spLocks noGrp="1"/>
-          </p:cNvSpPr>
-          <p:nvPr>
-            <p:ph type="body" sz="quarter" idx="3"/>
-          </p:nvPr>
-        </p:nvSpPr>
-        <p:spPr>
-          <a:xfrm>
-            <a:off x="685800" y="4400550"/>
-            <a:ext cx="5486400" cy="3600450"/>
-          </a:xfrm>
-          <a:prstGeom prst="rect">
-            <a:avLst/>
-          </a:prstGeom>
-        </p:spPr>
-        <p:txBody>
-          <a:bodyPr vert="horz" lIns="91440" tIns="45720" rIns="91440" bIns="45720" rtlCol="0"/>
-          <a:lstStyle/>
-          <a:p>
-            <a:pPr lvl="0"/>
-            <a:r>
-              <a:rPr lang="en-US"/>
-              <a:t>Click to edit Master text styles</a:t>
-            </a:r>
-          </a:p>
-          <a:p>
-            <a:pPr lvl="1"/>
-            <a:r>
-              <a:rPr lang="en-US"/>
-              <a:t>Second level</a:t>
-            </a:r>
-          </a:p>
-          <a:p>
-            <a:pPr lvl="2"/>
-            <a:r>
-              <a:rPr lang="en-US"/>
-              <a:t>Third level</a:t>
-            </a:r>
-          </a:p>
-          <a:p>
-            <a:pPr lvl="3"/>
-            <a:r>
-              <a:rPr lang="en-US"/>
-              <a:t>Fourth level</a:t>
-            </a:r>
-          </a:p>
-          <a:p>
-            <a:pPr lvl="4"/>
-            <a:r>
-              <a:rPr lang="en-US"/>
-              <a:t>Fifth level</a:t>
-            </a:r>
-          </a:p>
-        </p:txBody>
-      </p:sp>
-      <p:sp>
-        <p:nvSpPr>
-          <p:cNvPr id="6" name="Footer Placeholder 5"/>
-          <p:cNvSpPr>
-            <a:spLocks noGrp="1"/>
-          </p:cNvSpPr>
-          <p:nvPr>
-            <p:ph type="ftr" sz="quarter" idx="4"/>
-          </p:nvPr>
-        </p:nvSpPr>
-        <p:spPr>
-          <a:xfrm>
-            <a:off x="0" y="8685213"/>
-            <a:ext cx="2971800" cy="458787"/>
-          </a:xfrm>
-          <a:prstGeom prst="rect">
-            <a:avLst/>
-          </a:prstGeom>
-        </p:spPr>
-        <p:txBody>
-          <a:bodyPr vert="horz" lIns="91440" tIns="45720" rIns="91440" bIns="45720" rtlCol="0" anchor="b"/>
-          <a:lstStyle>
-            <a:lvl1pPr algn="l">
-              <a:defRPr sz="1200"/>
-            </a:lvl1pPr>
-          </a:lstStyle>
-          <a:p>
-            <a:endParaRPr lang="en-US"/>
-          </a:p>
-        </p:txBody>
-      </p:sp>
-      <p:sp>
-        <p:nvSpPr>
-          <p:cNvPr id="7" name="Slide Number Placeholder 6"/>
-          <p:cNvSpPr>
-            <a:spLocks noGrp="1"/>
-          </p:cNvSpPr>
-          <p:nvPr>
-            <p:ph type="sldNum" sz="quarter" idx="5"/>
-          </p:nvPr>
-        </p:nvSpPr>
-        <p:spPr>
-          <a:xfrm>
-            <a:off x="3884613" y="8685213"/>
-            <a:ext cx="2971800" cy="458787"/>
-          </a:xfrm>
-          <a:prstGeom prst="rect">
-            <a:avLst/>
-          </a:prstGeom>
-        </p:spPr>
-        <p:txBody>
-          <a:bodyPr vert="horz" lIns="91440" tIns="45720" rIns="91440" bIns="45720" rtlCol="0" anchor="b"/>
-          <a:lstStyle>
-            <a:lvl1pPr algn="r">
-              <a:defRPr sz="1200"/>
-            </a:lvl1pPr>
-          </a:lstStyle>
-          <a:p>
-            <a:fld id="{CE5E9CC1-C706-0F49-92D6-E571CC5EEA8F}" type="slidenum">
-              <a:rPr lang="en-US"/>
-              <a:t>‹#›</a:t>
-            </a:fld>
-            <a:endParaRPr lang="en-US"/>
-          </a:p>
-        </p:txBody>
-      </p:sp>
     </p:spTree>
     <p:extLst>
       <p:ext uri="{BB962C8B-B14F-4D97-AF65-F5344CB8AC3E}">
-        <p14:creationId xmlns:p14="http://schemas.microsoft.com/office/powerpoint/2010/main" val="1024086991"/>
+        <p14:creationId xmlns:p14="http://schemas.microsoft.com/office/powerpoint/2010/main" val="4147802892"/>
       </p:ext>
     </p:extLst>
   </p:cSld>
@@ -512,10 +293,6 @@
           <a:bodyPr/>
           <a:lstStyle/>
           <a:p>
-            <a:r>
-              <a:rPr lang="en-US" dirty="0"/>
-              <a:t/>
-            </a:r>
             <a:endParaRPr lang="en-US" dirty="0"/>
           </a:p>
         </p:txBody>
@@ -600,10 +377,6 @@
           <a:bodyPr/>
           <a:lstStyle/>
           <a:p>
-            <a:r>
-              <a:rPr lang="en-US" dirty="0"/>
-              <a:t/>
-            </a:r>
             <a:endParaRPr lang="en-US" dirty="0"/>
           </a:p>
         </p:txBody>
@@ -688,10 +461,6 @@
           <a:bodyPr/>
           <a:lstStyle/>
           <a:p>
-            <a:r>
-              <a:rPr lang="en-US" dirty="0"/>
-              <a:t/>
-            </a:r>
             <a:endParaRPr lang="en-US" dirty="0"/>
           </a:p>
         </p:txBody>
@@ -776,10 +545,6 @@
           <a:bodyPr/>
           <a:lstStyle/>
           <a:p>
-            <a:r>
-              <a:rPr lang="en-US" dirty="0"/>
-              <a:t/>
-            </a:r>
             <a:endParaRPr lang="en-US" dirty="0"/>
           </a:p>
         </p:txBody>
@@ -864,10 +629,6 @@
           <a:bodyPr/>
           <a:lstStyle/>
           <a:p>
-            <a:r>
-              <a:rPr lang="en-US" dirty="0"/>
-              <a:t/>
-            </a:r>
             <a:endParaRPr lang="en-US" dirty="0"/>
           </a:p>
         </p:txBody>
@@ -952,10 +713,6 @@
           <a:bodyPr/>
           <a:lstStyle/>
           <a:p>
-            <a:r>
-              <a:rPr lang="en-US" dirty="0"/>
-              <a:t/>
-            </a:r>
             <a:endParaRPr lang="en-US" dirty="0"/>
           </a:p>
         </p:txBody>
@@ -1040,10 +797,6 @@
           <a:bodyPr/>
           <a:lstStyle/>
           <a:p>
-            <a:r>
-              <a:rPr lang="en-US" dirty="0"/>
-              <a:t/>
-            </a:r>
             <a:endParaRPr lang="en-US" dirty="0"/>
           </a:p>
         </p:txBody>
@@ -1128,10 +881,6 @@
           <a:bodyPr/>
           <a:lstStyle/>
           <a:p>
-            <a:r>
-              <a:rPr lang="en-US" dirty="0"/>
-              <a:t/>
-            </a:r>
             <a:endParaRPr lang="en-US" dirty="0"/>
           </a:p>
         </p:txBody>
@@ -1216,10 +965,6 @@
           <a:bodyPr/>
           <a:lstStyle/>
           <a:p>
-            <a:r>
-              <a:rPr lang="en-US" dirty="0"/>
-              <a:t/>
-            </a:r>
             <a:endParaRPr lang="en-US" dirty="0"/>
           </a:p>
         </p:txBody>
@@ -1304,10 +1049,6 @@
           <a:bodyPr/>
           <a:lstStyle/>
           <a:p>
-            <a:r>
-              <a:rPr lang="en-US" dirty="0"/>
-              <a:t/>
-            </a:r>
             <a:endParaRPr lang="en-US" dirty="0"/>
           </a:p>
         </p:txBody>
@@ -1392,10 +1133,6 @@
           <a:bodyPr/>
           <a:lstStyle/>
           <a:p>
-            <a:r>
-              <a:rPr lang="en-US" dirty="0"/>
-              <a:t/>
-            </a:r>
             <a:endParaRPr lang="en-US" dirty="0"/>
           </a:p>
         </p:txBody>
@@ -1480,10 +1217,6 @@
           <a:bodyPr/>
           <a:lstStyle/>
           <a:p>
-            <a:r>
-              <a:rPr lang="en-US" dirty="0"/>
-              <a:t/>
-            </a:r>
             <a:endParaRPr lang="en-US" dirty="0"/>
           </a:p>
         </p:txBody>
@@ -1568,10 +1301,6 @@
           <a:bodyPr/>
           <a:lstStyle/>
           <a:p>
-            <a:r>
-              <a:rPr lang="en-US" dirty="0"/>
-              <a:t/>
-            </a:r>
             <a:endParaRPr lang="en-US" dirty="0"/>
           </a:p>
         </p:txBody>
@@ -1678,7 +1407,7 @@
           </a:solidFill>
           <a:ln/>
           <a:effectLst>
-            <a:outerShdw sx="100000" sy="100000" kx="0" ky="0" algn="bl" rotWithShape="0" blurRad="190500" dist="25400" dir="2700000">
+            <a:outerShdw blurRad="190500" dist="25400" dir="2700000" algn="bl" rotWithShape="0">
               <a:srgbClr val="000000">
                 <a:alpha val="50000"/>
               </a:srgbClr>
@@ -1689,9 +1418,11 @@
       <p:sp>
         <p:nvSpPr>
           <p:cNvPr id="3" name="Text 1"/>
-          <p:cNvSpPr/>
-          <p:nvPr>
-            <p:ph idx="101" type="title" hasCustomPrompt="1"/>
+          <p:cNvSpPr>
+            <a:spLocks noGrp="1"/>
+          </p:cNvSpPr>
+          <p:nvPr>
+            <p:ph type="title" idx="101" hasCustomPrompt="1"/>
           </p:nvPr>
         </p:nvSpPr>
         <p:spPr>
@@ -1708,7 +1439,7 @@
         <p:txBody>
           <a:bodyPr wrap="square" rtlCol="0"/>
           <a:lstStyle>
-            <a:lvl1pPr algn="l" indent="0" marL="0">
+            <a:lvl1pPr marL="0" indent="0" algn="l">
               <a:buNone/>
               <a:defRPr lang="en-US" sz="2800" dirty="0">
                 <a:latin typeface="Book Antiqua" pitchFamily="34" charset="0"/>
@@ -1718,7 +1449,7 @@
             </a:lvl1pPr>
           </a:lstStyle>
           <a:p>
-            <a:pPr algn="l" indent="0" marL="0">
+            <a:pPr marL="0" indent="0" algn="l">
               <a:buNone/>
             </a:pPr>
             <a:r>
@@ -1739,9 +1470,11 @@
       <p:sp>
         <p:nvSpPr>
           <p:cNvPr id="4" name="Text 1"/>
-          <p:cNvSpPr/>
-          <p:nvPr>
-            <p:ph idx="102" type="body" hasCustomPrompt="1"/>
+          <p:cNvSpPr>
+            <a:spLocks noGrp="1"/>
+          </p:cNvSpPr>
+          <p:nvPr>
+            <p:ph type="body" idx="102" hasCustomPrompt="1"/>
           </p:nvPr>
         </p:nvSpPr>
         <p:spPr>
@@ -1758,7 +1491,7 @@
         <p:txBody>
           <a:bodyPr wrap="square" rtlCol="0"/>
           <a:lstStyle>
-            <a:lvl1pPr algn="l" indent="0" marL="0">
+            <a:lvl1pPr marL="0" indent="0" algn="l">
               <a:buNone/>
               <a:defRPr lang="en-US" sz="1800" dirty="0">
                 <a:latin typeface="Book Antiqua" pitchFamily="34" charset="0"/>
@@ -1768,7 +1501,7 @@
             </a:lvl1pPr>
           </a:lstStyle>
           <a:p>
-            <a:pPr algn="l" indent="0" marL="0">
+            <a:pPr marL="0" indent="0" algn="l">
               <a:buNone/>
             </a:pPr>
             <a:r>
@@ -1789,9 +1522,11 @@
       <p:sp>
         <p:nvSpPr>
           <p:cNvPr id="5" name="Text 1"/>
-          <p:cNvSpPr/>
-          <p:nvPr>
-            <p:ph idx="103" type="body" hasCustomPrompt="1"/>
+          <p:cNvSpPr>
+            <a:spLocks noGrp="1"/>
+          </p:cNvSpPr>
+          <p:nvPr>
+            <p:ph type="body" idx="103" hasCustomPrompt="1"/>
           </p:nvPr>
         </p:nvSpPr>
         <p:spPr>
@@ -1808,7 +1543,7 @@
         <p:txBody>
           <a:bodyPr wrap="square" rtlCol="0"/>
           <a:lstStyle>
-            <a:lvl1pPr algn="l" indent="0" marL="0">
+            <a:lvl1pPr marL="0" indent="0" algn="l">
               <a:buNone/>
               <a:defRPr lang="en-US" sz="1600" dirty="0">
                 <a:latin typeface="Book Antiqua" pitchFamily="34" charset="0"/>
@@ -1818,7 +1553,7 @@
             </a:lvl1pPr>
           </a:lstStyle>
           <a:p>
-            <a:pPr algn="l" indent="0" marL="0">
+            <a:pPr marL="0" indent="0" algn="l">
               <a:buNone/>
             </a:pPr>
             <a:r>
@@ -1857,7 +1592,7 @@
           <a:bodyPr wrap="square" rtlCol="0" anchor="ctr"/>
           <a:lstStyle/>
           <a:p>
-            <a:pPr algn="r" indent="0" marL="0">
+            <a:pPr marL="0" indent="0" algn="r">
               <a:buNone/>
             </a:pPr>
             <a:endParaRPr lang="en-US" sz="1400" dirty="0"/>
@@ -1867,9 +1602,11 @@
       <p:sp>
         <p:nvSpPr>
           <p:cNvPr id="7" name="Text 2"/>
-          <p:cNvSpPr/>
-          <p:nvPr>
-            <p:ph idx="105" type="body" hasCustomPrompt="1"/>
+          <p:cNvSpPr>
+            <a:spLocks noGrp="1"/>
+          </p:cNvSpPr>
+          <p:nvPr>
+            <p:ph type="body" idx="105" hasCustomPrompt="1"/>
           </p:nvPr>
         </p:nvSpPr>
         <p:spPr>
@@ -1886,7 +1623,7 @@
         <p:txBody>
           <a:bodyPr wrap="square" rtlCol="0"/>
           <a:lstStyle>
-            <a:lvl1pPr algn="ctr" indent="0" marL="0">
+            <a:lvl1pPr marL="0" indent="0" algn="ctr">
               <a:buNone/>
               <a:defRPr lang="en-US" sz="1200" dirty="0">
                 <a:latin typeface="Book Antiqua" pitchFamily="34" charset="0"/>
@@ -1896,7 +1633,7 @@
             </a:lvl1pPr>
           </a:lstStyle>
           <a:p>
-            <a:pPr algn="ctr" indent="0" marL="0">
+            <a:pPr marL="0" indent="0" algn="ctr">
               <a:buNone/>
             </a:pPr>
             <a:r>
@@ -1958,7 +1695,7 @@
           </a:solidFill>
           <a:ln/>
           <a:effectLst>
-            <a:outerShdw sx="100000" sy="100000" kx="0" ky="0" algn="bl" rotWithShape="0" blurRad="190500" dist="25400" dir="2700000">
+            <a:outerShdw blurRad="190500" dist="25400" dir="2700000" algn="bl" rotWithShape="0">
               <a:srgbClr val="000000">
                 <a:alpha val="50000"/>
               </a:srgbClr>
@@ -1969,9 +1706,11 @@
       <p:sp>
         <p:nvSpPr>
           <p:cNvPr id="3" name="Text 1"/>
-          <p:cNvSpPr/>
-          <p:nvPr>
-            <p:ph idx="101" type="title" hasCustomPrompt="1"/>
+          <p:cNvSpPr>
+            <a:spLocks noGrp="1"/>
+          </p:cNvSpPr>
+          <p:nvPr>
+            <p:ph type="title" idx="101" hasCustomPrompt="1"/>
           </p:nvPr>
         </p:nvSpPr>
         <p:spPr>
@@ -1988,7 +1727,7 @@
         <p:txBody>
           <a:bodyPr wrap="square" rtlCol="0"/>
           <a:lstStyle>
-            <a:lvl1pPr algn="l" indent="0" marL="0">
+            <a:lvl1pPr marL="0" indent="0" algn="l">
               <a:buNone/>
               <a:defRPr lang="en-US" sz="2800" dirty="0">
                 <a:latin typeface="Book Antiqua" pitchFamily="34" charset="0"/>
@@ -1998,7 +1737,7 @@
             </a:lvl1pPr>
           </a:lstStyle>
           <a:p>
-            <a:pPr algn="l" indent="0" marL="0">
+            <a:pPr marL="0" indent="0" algn="l">
               <a:buNone/>
             </a:pPr>
             <a:r>
@@ -2019,9 +1758,11 @@
       <p:sp>
         <p:nvSpPr>
           <p:cNvPr id="4" name="Text 1"/>
-          <p:cNvSpPr/>
-          <p:nvPr>
-            <p:ph idx="102" type="body" hasCustomPrompt="1"/>
+          <p:cNvSpPr>
+            <a:spLocks noGrp="1"/>
+          </p:cNvSpPr>
+          <p:nvPr>
+            <p:ph type="body" idx="102" hasCustomPrompt="1"/>
           </p:nvPr>
         </p:nvSpPr>
         <p:spPr>
@@ -2038,7 +1779,7 @@
         <p:txBody>
           <a:bodyPr wrap="square" rtlCol="0"/>
           <a:lstStyle>
-            <a:lvl1pPr algn="l" indent="0" marL="0">
+            <a:lvl1pPr marL="0" indent="0" algn="l">
               <a:buNone/>
               <a:defRPr lang="en-US" sz="1800" dirty="0">
                 <a:latin typeface="Book Antiqua" pitchFamily="34" charset="0"/>
@@ -2048,7 +1789,7 @@
             </a:lvl1pPr>
           </a:lstStyle>
           <a:p>
-            <a:pPr algn="l" indent="0" marL="0">
+            <a:pPr marL="0" indent="0" algn="l">
               <a:buNone/>
             </a:pPr>
             <a:r>
@@ -2069,9 +1810,11 @@
       <p:sp>
         <p:nvSpPr>
           <p:cNvPr id="5" name="Text 1"/>
-          <p:cNvSpPr/>
-          <p:nvPr>
-            <p:ph idx="103" type="body" hasCustomPrompt="1"/>
+          <p:cNvSpPr>
+            <a:spLocks noGrp="1"/>
+          </p:cNvSpPr>
+          <p:nvPr>
+            <p:ph type="body" idx="103" hasCustomPrompt="1"/>
           </p:nvPr>
         </p:nvSpPr>
         <p:spPr>
@@ -2088,7 +1831,7 @@
         <p:txBody>
           <a:bodyPr wrap="square" rtlCol="0"/>
           <a:lstStyle>
-            <a:lvl1pPr algn="l" indent="0" marL="0">
+            <a:lvl1pPr marL="0" indent="0" algn="l">
               <a:buNone/>
               <a:defRPr lang="en-US" sz="1600" dirty="0">
                 <a:latin typeface="Book Antiqua" pitchFamily="34" charset="0"/>
@@ -2098,7 +1841,7 @@
             </a:lvl1pPr>
           </a:lstStyle>
           <a:p>
-            <a:pPr algn="l" indent="0" marL="0">
+            <a:pPr marL="0" indent="0" algn="l">
               <a:buNone/>
             </a:pPr>
             <a:r>
@@ -2137,7 +1880,7 @@
           <a:bodyPr wrap="square" rtlCol="0" anchor="ctr"/>
           <a:lstStyle/>
           <a:p>
-            <a:pPr algn="r" indent="0" marL="0">
+            <a:pPr marL="0" indent="0" algn="r">
               <a:buNone/>
             </a:pPr>
             <a:endParaRPr lang="en-US" sz="1400" dirty="0"/>
@@ -2147,9 +1890,11 @@
       <p:sp>
         <p:nvSpPr>
           <p:cNvPr id="7" name="Text 2"/>
-          <p:cNvSpPr/>
-          <p:nvPr>
-            <p:ph idx="105" type="body" hasCustomPrompt="1"/>
+          <p:cNvSpPr>
+            <a:spLocks noGrp="1"/>
+          </p:cNvSpPr>
+          <p:nvPr>
+            <p:ph type="body" idx="105" hasCustomPrompt="1"/>
           </p:nvPr>
         </p:nvSpPr>
         <p:spPr>
@@ -2166,7 +1911,7 @@
         <p:txBody>
           <a:bodyPr wrap="square" rtlCol="0"/>
           <a:lstStyle>
-            <a:lvl1pPr algn="ctr" indent="0" marL="0">
+            <a:lvl1pPr marL="0" indent="0" algn="ctr">
               <a:buNone/>
               <a:defRPr lang="en-US" sz="1200" dirty="0">
                 <a:latin typeface="Book Antiqua" pitchFamily="34" charset="0"/>
@@ -2176,7 +1921,7 @@
             </a:lvl1pPr>
           </a:lstStyle>
           <a:p>
-            <a:pPr algn="ctr" indent="0" marL="0">
+            <a:pPr marL="0" indent="0" algn="ctr">
               <a:buNone/>
             </a:pPr>
             <a:r>
@@ -2238,7 +1983,7 @@
           </a:solidFill>
           <a:ln/>
           <a:effectLst>
-            <a:outerShdw sx="100000" sy="100000" kx="0" ky="0" algn="bl" rotWithShape="0" blurRad="190500" dist="25400" dir="2700000">
+            <a:outerShdw blurRad="190500" dist="25400" dir="2700000" algn="bl" rotWithShape="0">
               <a:srgbClr val="000000">
                 <a:alpha val="50000"/>
               </a:srgbClr>
@@ -2249,9 +1994,11 @@
       <p:sp>
         <p:nvSpPr>
           <p:cNvPr id="3" name="Text 1"/>
-          <p:cNvSpPr/>
-          <p:nvPr>
-            <p:ph idx="101" type="title" hasCustomPrompt="1"/>
+          <p:cNvSpPr>
+            <a:spLocks noGrp="1"/>
+          </p:cNvSpPr>
+          <p:nvPr>
+            <p:ph type="title" idx="101" hasCustomPrompt="1"/>
           </p:nvPr>
         </p:nvSpPr>
         <p:spPr>
@@ -2268,7 +2015,7 @@
         <p:txBody>
           <a:bodyPr wrap="square" rtlCol="0"/>
           <a:lstStyle>
-            <a:lvl1pPr algn="l" indent="0" marL="0">
+            <a:lvl1pPr marL="0" indent="0" algn="l">
               <a:buNone/>
               <a:defRPr lang="en-US" sz="2800" dirty="0">
                 <a:latin typeface="Book Antiqua" pitchFamily="34" charset="0"/>
@@ -2278,7 +2025,7 @@
             </a:lvl1pPr>
           </a:lstStyle>
           <a:p>
-            <a:pPr algn="l" indent="0" marL="0">
+            <a:pPr marL="0" indent="0" algn="l">
               <a:buNone/>
             </a:pPr>
             <a:r>
@@ -2299,9 +2046,11 @@
       <p:sp>
         <p:nvSpPr>
           <p:cNvPr id="4" name="Text 1"/>
-          <p:cNvSpPr/>
-          <p:nvPr>
-            <p:ph idx="102" type="body" hasCustomPrompt="1"/>
+          <p:cNvSpPr>
+            <a:spLocks noGrp="1"/>
+          </p:cNvSpPr>
+          <p:nvPr>
+            <p:ph type="body" idx="102" hasCustomPrompt="1"/>
           </p:nvPr>
         </p:nvSpPr>
         <p:spPr>
@@ -2318,7 +2067,7 @@
         <p:txBody>
           <a:bodyPr wrap="square" rtlCol="0"/>
           <a:lstStyle>
-            <a:lvl1pPr algn="l" indent="0" marL="0">
+            <a:lvl1pPr marL="0" indent="0" algn="l">
               <a:buNone/>
               <a:defRPr lang="en-US" sz="1800" dirty="0">
                 <a:latin typeface="Book Antiqua" pitchFamily="34" charset="0"/>
@@ -2328,7 +2077,7 @@
             </a:lvl1pPr>
           </a:lstStyle>
           <a:p>
-            <a:pPr algn="l" indent="0" marL="0">
+            <a:pPr marL="0" indent="0" algn="l">
               <a:buNone/>
             </a:pPr>
             <a:r>
@@ -2349,9 +2098,11 @@
       <p:sp>
         <p:nvSpPr>
           <p:cNvPr id="5" name="Text 1"/>
-          <p:cNvSpPr/>
-          <p:nvPr>
-            <p:ph idx="103" type="body" hasCustomPrompt="1"/>
+          <p:cNvSpPr>
+            <a:spLocks noGrp="1"/>
+          </p:cNvSpPr>
+          <p:nvPr>
+            <p:ph type="body" idx="103" hasCustomPrompt="1"/>
           </p:nvPr>
         </p:nvSpPr>
         <p:spPr>
@@ -2368,7 +2119,7 @@
         <p:txBody>
           <a:bodyPr wrap="square" rtlCol="0"/>
           <a:lstStyle>
-            <a:lvl1pPr algn="l" indent="0" marL="0">
+            <a:lvl1pPr marL="0" indent="0" algn="l">
               <a:buNone/>
               <a:defRPr lang="en-US" sz="1600" dirty="0">
                 <a:latin typeface="Book Antiqua" pitchFamily="34" charset="0"/>
@@ -2378,7 +2129,7 @@
             </a:lvl1pPr>
           </a:lstStyle>
           <a:p>
-            <a:pPr algn="l" indent="0" marL="0">
+            <a:pPr marL="0" indent="0" algn="l">
               <a:buNone/>
             </a:pPr>
             <a:r>
@@ -2417,7 +2168,7 @@
           <a:bodyPr wrap="square" rtlCol="0" anchor="ctr"/>
           <a:lstStyle/>
           <a:p>
-            <a:pPr algn="r" indent="0" marL="0">
+            <a:pPr marL="0" indent="0" algn="r">
               <a:buNone/>
             </a:pPr>
             <a:endParaRPr lang="en-US" sz="1400" dirty="0"/>
@@ -2427,9 +2178,11 @@
       <p:sp>
         <p:nvSpPr>
           <p:cNvPr id="7" name="Text 2"/>
-          <p:cNvSpPr/>
-          <p:nvPr>
-            <p:ph idx="105" type="body" hasCustomPrompt="1"/>
+          <p:cNvSpPr>
+            <a:spLocks noGrp="1"/>
+          </p:cNvSpPr>
+          <p:nvPr>
+            <p:ph type="body" idx="105" hasCustomPrompt="1"/>
           </p:nvPr>
         </p:nvSpPr>
         <p:spPr>
@@ -2446,7 +2199,7 @@
         <p:txBody>
           <a:bodyPr wrap="square" rtlCol="0"/>
           <a:lstStyle>
-            <a:lvl1pPr algn="ctr" indent="0" marL="0">
+            <a:lvl1pPr marL="0" indent="0" algn="ctr">
               <a:buNone/>
               <a:defRPr lang="en-US" sz="1200" dirty="0">
                 <a:latin typeface="Book Antiqua" pitchFamily="34" charset="0"/>
@@ -2456,7 +2209,7 @@
             </a:lvl1pPr>
           </a:lstStyle>
           <a:p>
-            <a:pPr algn="ctr" indent="0" marL="0">
+            <a:pPr marL="0" indent="0" algn="ctr">
               <a:buNone/>
             </a:pPr>
             <a:r>
@@ -2518,7 +2271,7 @@
           </a:solidFill>
           <a:ln/>
           <a:effectLst>
-            <a:outerShdw sx="100000" sy="100000" kx="0" ky="0" algn="bl" rotWithShape="0" blurRad="190500" dist="25400" dir="2700000">
+            <a:outerShdw blurRad="190500" dist="25400" dir="2700000" algn="bl" rotWithShape="0">
               <a:srgbClr val="000000">
                 <a:alpha val="50000"/>
               </a:srgbClr>
@@ -2529,9 +2282,11 @@
       <p:sp>
         <p:nvSpPr>
           <p:cNvPr id="3" name="Text 1"/>
-          <p:cNvSpPr/>
-          <p:nvPr>
-            <p:ph idx="101" type="title" hasCustomPrompt="1"/>
+          <p:cNvSpPr>
+            <a:spLocks noGrp="1"/>
+          </p:cNvSpPr>
+          <p:nvPr>
+            <p:ph type="title" idx="101" hasCustomPrompt="1"/>
           </p:nvPr>
         </p:nvSpPr>
         <p:spPr>
@@ -2548,7 +2303,7 @@
         <p:txBody>
           <a:bodyPr wrap="square" rtlCol="0"/>
           <a:lstStyle>
-            <a:lvl1pPr algn="l" indent="0" marL="0">
+            <a:lvl1pPr marL="0" indent="0" algn="l">
               <a:buNone/>
               <a:defRPr lang="en-US" sz="2800" b="1" dirty="0">
                 <a:latin typeface="Book Antiqua" pitchFamily="34" charset="0"/>
@@ -2558,7 +2313,7 @@
             </a:lvl1pPr>
           </a:lstStyle>
           <a:p>
-            <a:pPr algn="l" indent="0" marL="0">
+            <a:pPr marL="0" indent="0" algn="l">
               <a:buNone/>
             </a:pPr>
             <a:r>
@@ -2579,9 +2334,11 @@
       <p:sp>
         <p:nvSpPr>
           <p:cNvPr id="4" name="Text 1"/>
-          <p:cNvSpPr/>
-          <p:nvPr>
-            <p:ph idx="102" type="body" hasCustomPrompt="1"/>
+          <p:cNvSpPr>
+            <a:spLocks noGrp="1"/>
+          </p:cNvSpPr>
+          <p:nvPr>
+            <p:ph type="body" idx="102" hasCustomPrompt="1"/>
           </p:nvPr>
         </p:nvSpPr>
         <p:spPr>
@@ -2598,7 +2355,7 @@
         <p:txBody>
           <a:bodyPr wrap="square" rtlCol="0"/>
           <a:lstStyle>
-            <a:lvl1pPr algn="l" indent="0" marL="0">
+            <a:lvl1pPr marL="0" indent="0" algn="l">
               <a:buNone/>
               <a:defRPr lang="en-US" sz="1600" dirty="0">
                 <a:latin typeface="Book Antiqua" pitchFamily="34" charset="0"/>
@@ -2608,7 +2365,7 @@
             </a:lvl1pPr>
           </a:lstStyle>
           <a:p>
-            <a:pPr algn="l" indent="0" marL="0">
+            <a:pPr marL="0" indent="0" algn="l">
               <a:buNone/>
             </a:pPr>
             <a:endParaRPr lang="en-US" sz="1600" dirty="0"/>
@@ -2618,9 +2375,11 @@
       <p:sp>
         <p:nvSpPr>
           <p:cNvPr id="5" name="Text 1"/>
-          <p:cNvSpPr/>
-          <p:nvPr>
-            <p:ph idx="103" type="body" hasCustomPrompt="1"/>
+          <p:cNvSpPr>
+            <a:spLocks noGrp="1"/>
+          </p:cNvSpPr>
+          <p:nvPr>
+            <p:ph type="body" idx="103" hasCustomPrompt="1"/>
           </p:nvPr>
         </p:nvSpPr>
         <p:spPr>
@@ -2637,7 +2396,7 @@
         <p:txBody>
           <a:bodyPr wrap="square" rtlCol="0"/>
           <a:lstStyle>
-            <a:lvl1pPr algn="l" indent="0" marL="0">
+            <a:lvl1pPr marL="0" indent="0" algn="l">
               <a:buNone/>
               <a:defRPr lang="en-US" sz="1600" dirty="0">
                 <a:latin typeface="Book Antiqua" pitchFamily="34" charset="0"/>
@@ -2647,7 +2406,7 @@
             </a:lvl1pPr>
           </a:lstStyle>
           <a:p>
-            <a:pPr algn="l" indent="0" marL="0">
+            <a:pPr marL="0" indent="0" algn="l">
               <a:buNone/>
             </a:pPr>
             <a:endParaRPr lang="en-US" sz="1600" dirty="0"/>
@@ -2657,9 +2416,11 @@
       <p:sp>
         <p:nvSpPr>
           <p:cNvPr id="6" name="Text 1"/>
-          <p:cNvSpPr/>
-          <p:nvPr>
-            <p:ph idx="104" type="body" hasCustomPrompt="1"/>
+          <p:cNvSpPr>
+            <a:spLocks noGrp="1"/>
+          </p:cNvSpPr>
+          <p:nvPr>
+            <p:ph type="body" idx="104" hasCustomPrompt="1"/>
           </p:nvPr>
         </p:nvSpPr>
         <p:spPr>
@@ -2676,7 +2437,7 @@
         <p:txBody>
           <a:bodyPr wrap="square" rtlCol="0"/>
           <a:lstStyle>
-            <a:lvl1pPr algn="l" indent="0" marL="0">
+            <a:lvl1pPr marL="0" indent="0" algn="l">
               <a:buNone/>
               <a:defRPr lang="en-US" sz="1600" dirty="0">
                 <a:latin typeface="Book Antiqua" pitchFamily="34" charset="0"/>
@@ -2686,7 +2447,7 @@
             </a:lvl1pPr>
           </a:lstStyle>
           <a:p>
-            <a:pPr algn="l" indent="0" marL="0">
+            <a:pPr marL="0" indent="0" algn="l">
               <a:buNone/>
             </a:pPr>
             <a:endParaRPr lang="en-US" sz="1600" dirty="0"/>
@@ -2714,7 +2475,7 @@
           <a:bodyPr wrap="square" rtlCol="0" anchor="ctr"/>
           <a:lstStyle/>
           <a:p>
-            <a:pPr algn="r" indent="0" marL="0">
+            <a:pPr marL="0" indent="0" algn="r">
               <a:buNone/>
             </a:pPr>
             <a:endParaRPr lang="en-US" sz="1400" dirty="0"/>
@@ -2724,9 +2485,11 @@
       <p:sp>
         <p:nvSpPr>
           <p:cNvPr id="8" name="Text 2"/>
-          <p:cNvSpPr/>
-          <p:nvPr>
-            <p:ph idx="106" type="body" hasCustomPrompt="1"/>
+          <p:cNvSpPr>
+            <a:spLocks noGrp="1"/>
+          </p:cNvSpPr>
+          <p:nvPr>
+            <p:ph type="body" idx="106" hasCustomPrompt="1"/>
           </p:nvPr>
         </p:nvSpPr>
         <p:spPr>
@@ -2743,7 +2506,7 @@
         <p:txBody>
           <a:bodyPr wrap="square" rtlCol="0"/>
           <a:lstStyle>
-            <a:lvl1pPr algn="ctr" indent="0" marL="0">
+            <a:lvl1pPr marL="0" indent="0" algn="ctr">
               <a:buNone/>
               <a:defRPr lang="en-US" sz="1200" dirty="0">
                 <a:latin typeface="Book Antiqua" pitchFamily="34" charset="0"/>
@@ -2753,7 +2516,7 @@
             </a:lvl1pPr>
           </a:lstStyle>
           <a:p>
-            <a:pPr algn="ctr" indent="0" marL="0">
+            <a:pPr marL="0" indent="0" algn="ctr">
               <a:buNone/>
             </a:pPr>
             <a:r>
@@ -2815,7 +2578,7 @@
           </a:solidFill>
           <a:ln/>
           <a:effectLst>
-            <a:outerShdw sx="100000" sy="100000" kx="0" ky="0" algn="bl" rotWithShape="0" blurRad="190500" dist="25400" dir="2700000">
+            <a:outerShdw blurRad="190500" dist="25400" dir="2700000" algn="bl" rotWithShape="0">
               <a:srgbClr val="000000">
                 <a:alpha val="50000"/>
               </a:srgbClr>
@@ -2826,9 +2589,11 @@
       <p:sp>
         <p:nvSpPr>
           <p:cNvPr id="3" name="Text 1"/>
-          <p:cNvSpPr/>
-          <p:nvPr>
-            <p:ph idx="101" type="title" hasCustomPrompt="1"/>
+          <p:cNvSpPr>
+            <a:spLocks noGrp="1"/>
+          </p:cNvSpPr>
+          <p:nvPr>
+            <p:ph type="title" idx="101" hasCustomPrompt="1"/>
           </p:nvPr>
         </p:nvSpPr>
         <p:spPr>
@@ -2845,7 +2610,7 @@
         <p:txBody>
           <a:bodyPr wrap="square" rtlCol="0"/>
           <a:lstStyle>
-            <a:lvl1pPr algn="l" indent="0" marL="0">
+            <a:lvl1pPr marL="0" indent="0" algn="l">
               <a:buNone/>
               <a:defRPr lang="en-US" sz="6000" b="1" dirty="0">
                 <a:latin typeface="Book Antiqua" pitchFamily="34" charset="0"/>
@@ -2855,7 +2620,7 @@
             </a:lvl1pPr>
           </a:lstStyle>
           <a:p>
-            <a:pPr algn="l" indent="0" marL="0">
+            <a:pPr marL="0" indent="0" algn="l">
               <a:buNone/>
             </a:pPr>
             <a:r>
@@ -2876,9 +2641,11 @@
       <p:sp>
         <p:nvSpPr>
           <p:cNvPr id="4" name="Text 1"/>
-          <p:cNvSpPr/>
-          <p:nvPr>
-            <p:ph idx="102" type="body" hasCustomPrompt="1"/>
+          <p:cNvSpPr>
+            <a:spLocks noGrp="1"/>
+          </p:cNvSpPr>
+          <p:nvPr>
+            <p:ph type="body" idx="102" hasCustomPrompt="1"/>
           </p:nvPr>
         </p:nvSpPr>
         <p:spPr>
@@ -2895,7 +2662,7 @@
         <p:txBody>
           <a:bodyPr wrap="square" rtlCol="0"/>
           <a:lstStyle>
-            <a:lvl1pPr algn="l" indent="0" marL="0">
+            <a:lvl1pPr marL="0" indent="0" algn="l">
               <a:buNone/>
               <a:defRPr lang="en-US" sz="2400" dirty="0">
                 <a:latin typeface="Book Antiqua" pitchFamily="34" charset="0"/>
@@ -2905,7 +2672,7 @@
             </a:lvl1pPr>
           </a:lstStyle>
           <a:p>
-            <a:pPr algn="l" indent="0" marL="0">
+            <a:pPr marL="0" indent="0" algn="l">
               <a:buNone/>
             </a:pPr>
             <a:r>
@@ -2944,7 +2711,7 @@
           <a:bodyPr wrap="square" rtlCol="0" anchor="ctr"/>
           <a:lstStyle/>
           <a:p>
-            <a:pPr algn="r" indent="0" marL="0">
+            <a:pPr marL="0" indent="0" algn="r">
               <a:buNone/>
             </a:pPr>
             <a:endParaRPr lang="en-US" sz="1400" dirty="0"/>
@@ -2954,9 +2721,11 @@
       <p:sp>
         <p:nvSpPr>
           <p:cNvPr id="6" name="Text 2"/>
-          <p:cNvSpPr/>
-          <p:nvPr>
-            <p:ph idx="104" type="body" hasCustomPrompt="1"/>
+          <p:cNvSpPr>
+            <a:spLocks noGrp="1"/>
+          </p:cNvSpPr>
+          <p:nvPr>
+            <p:ph type="body" idx="104" hasCustomPrompt="1"/>
           </p:nvPr>
         </p:nvSpPr>
         <p:spPr>
@@ -2973,7 +2742,7 @@
         <p:txBody>
           <a:bodyPr wrap="square" rtlCol="0"/>
           <a:lstStyle>
-            <a:lvl1pPr algn="ctr" indent="0" marL="0">
+            <a:lvl1pPr marL="0" indent="0" algn="ctr">
               <a:buNone/>
               <a:defRPr lang="en-US" sz="1200" dirty="0">
                 <a:latin typeface="Book Antiqua" pitchFamily="34" charset="0"/>
@@ -2983,7 +2752,7 @@
             </a:lvl1pPr>
           </a:lstStyle>
           <a:p>
-            <a:pPr algn="ctr" indent="0" marL="0">
+            <a:pPr marL="0" indent="0" algn="ctr">
               <a:buNone/>
             </a:pPr>
             <a:r>
@@ -3045,7 +2814,7 @@
           </a:solidFill>
           <a:ln/>
           <a:effectLst>
-            <a:outerShdw sx="100000" sy="100000" kx="0" ky="0" algn="bl" rotWithShape="0" blurRad="190500" dist="25400" dir="2700000">
+            <a:outerShdw blurRad="190500" dist="25400" dir="2700000" algn="bl" rotWithShape="0">
               <a:srgbClr val="000000">
                 <a:alpha val="50000"/>
               </a:srgbClr>
@@ -3056,9 +2825,11 @@
       <p:sp>
         <p:nvSpPr>
           <p:cNvPr id="3" name="Text 1"/>
-          <p:cNvSpPr/>
-          <p:nvPr>
-            <p:ph idx="101" type="title" hasCustomPrompt="1"/>
+          <p:cNvSpPr>
+            <a:spLocks noGrp="1"/>
+          </p:cNvSpPr>
+          <p:nvPr>
+            <p:ph type="title" idx="101" hasCustomPrompt="1"/>
           </p:nvPr>
         </p:nvSpPr>
         <p:spPr>
@@ -3075,7 +2846,7 @@
         <p:txBody>
           <a:bodyPr wrap="square" rtlCol="0"/>
           <a:lstStyle>
-            <a:lvl1pPr algn="l" indent="0" marL="0">
+            <a:lvl1pPr marL="0" indent="0" algn="l">
               <a:buNone/>
               <a:defRPr lang="en-US" sz="2800" b="1" dirty="0">
                 <a:latin typeface="Book Antiqua" pitchFamily="34" charset="0"/>
@@ -3085,7 +2856,7 @@
             </a:lvl1pPr>
           </a:lstStyle>
           <a:p>
-            <a:pPr algn="l" indent="0" marL="0">
+            <a:pPr marL="0" indent="0" algn="l">
               <a:buNone/>
             </a:pPr>
             <a:r>
@@ -3106,9 +2877,11 @@
       <p:sp>
         <p:nvSpPr>
           <p:cNvPr id="4" name="Text 1"/>
-          <p:cNvSpPr/>
-          <p:nvPr>
-            <p:ph idx="102" type="body" hasCustomPrompt="1"/>
+          <p:cNvSpPr>
+            <a:spLocks noGrp="1"/>
+          </p:cNvSpPr>
+          <p:nvPr>
+            <p:ph type="body" idx="102" hasCustomPrompt="1"/>
           </p:nvPr>
         </p:nvSpPr>
         <p:spPr>
@@ -3125,7 +2898,7 @@
         <p:txBody>
           <a:bodyPr wrap="square" rtlCol="0"/>
           <a:lstStyle>
-            <a:lvl1pPr algn="l" indent="0" marL="0">
+            <a:lvl1pPr marL="0" indent="0" algn="l">
               <a:buNone/>
               <a:defRPr lang="en-US" sz="1600" dirty="0">
                 <a:latin typeface="Book Antiqua" pitchFamily="34" charset="0"/>
@@ -3135,7 +2908,7 @@
             </a:lvl1pPr>
           </a:lstStyle>
           <a:p>
-            <a:pPr algn="l" indent="0" marL="0">
+            <a:pPr marL="0" indent="0" algn="l">
               <a:buNone/>
             </a:pPr>
             <a:endParaRPr lang="en-US" sz="1600" dirty="0"/>
@@ -3145,9 +2918,11 @@
       <p:sp>
         <p:nvSpPr>
           <p:cNvPr id="5" name="Text 1"/>
-          <p:cNvSpPr/>
-          <p:nvPr>
-            <p:ph idx="103" type="body" hasCustomPrompt="1"/>
+          <p:cNvSpPr>
+            <a:spLocks noGrp="1"/>
+          </p:cNvSpPr>
+          <p:nvPr>
+            <p:ph type="body" idx="103" hasCustomPrompt="1"/>
           </p:nvPr>
         </p:nvSpPr>
         <p:spPr>
@@ -3164,7 +2939,7 @@
         <p:txBody>
           <a:bodyPr wrap="square" rtlCol="0"/>
           <a:lstStyle>
-            <a:lvl1pPr algn="l" indent="0" marL="0">
+            <a:lvl1pPr marL="0" indent="0" algn="l">
               <a:buNone/>
               <a:defRPr lang="en-US" sz="1600" dirty="0">
                 <a:latin typeface="Book Antiqua" pitchFamily="34" charset="0"/>
@@ -3174,7 +2949,7 @@
             </a:lvl1pPr>
           </a:lstStyle>
           <a:p>
-            <a:pPr algn="l" indent="0" marL="0">
+            <a:pPr marL="0" indent="0" algn="l">
               <a:buNone/>
             </a:pPr>
             <a:endParaRPr lang="en-US" sz="1600" dirty="0"/>
@@ -3184,9 +2959,11 @@
       <p:sp>
         <p:nvSpPr>
           <p:cNvPr id="6" name="Text 1"/>
-          <p:cNvSpPr/>
-          <p:nvPr>
-            <p:ph idx="104" type="body" hasCustomPrompt="1"/>
+          <p:cNvSpPr>
+            <a:spLocks noGrp="1"/>
+          </p:cNvSpPr>
+          <p:nvPr>
+            <p:ph type="body" idx="104" hasCustomPrompt="1"/>
           </p:nvPr>
         </p:nvSpPr>
         <p:spPr>
@@ -3203,7 +2980,7 @@
         <p:txBody>
           <a:bodyPr wrap="square" rtlCol="0"/>
           <a:lstStyle>
-            <a:lvl1pPr algn="l" indent="0" marL="0">
+            <a:lvl1pPr marL="0" indent="0" algn="l">
               <a:buNone/>
               <a:defRPr lang="en-US" sz="1600" dirty="0">
                 <a:latin typeface="Book Antiqua" pitchFamily="34" charset="0"/>
@@ -3213,7 +2990,7 @@
             </a:lvl1pPr>
           </a:lstStyle>
           <a:p>
-            <a:pPr algn="l" indent="0" marL="0">
+            <a:pPr marL="0" indent="0" algn="l">
               <a:buNone/>
             </a:pPr>
             <a:endParaRPr lang="en-US" sz="1600" dirty="0"/>
@@ -3241,7 +3018,7 @@
           <a:bodyPr wrap="square" rtlCol="0" anchor="ctr"/>
           <a:lstStyle/>
           <a:p>
-            <a:pPr algn="r" indent="0" marL="0">
+            <a:pPr marL="0" indent="0" algn="r">
               <a:buNone/>
             </a:pPr>
             <a:endParaRPr lang="en-US" sz="1400" dirty="0"/>
@@ -3251,9 +3028,11 @@
       <p:sp>
         <p:nvSpPr>
           <p:cNvPr id="8" name="Text 2"/>
-          <p:cNvSpPr/>
-          <p:nvPr>
-            <p:ph idx="106" type="body" hasCustomPrompt="1"/>
+          <p:cNvSpPr>
+            <a:spLocks noGrp="1"/>
+          </p:cNvSpPr>
+          <p:nvPr>
+            <p:ph type="body" idx="106" hasCustomPrompt="1"/>
           </p:nvPr>
         </p:nvSpPr>
         <p:spPr>
@@ -3270,7 +3049,7 @@
         <p:txBody>
           <a:bodyPr wrap="square" rtlCol="0"/>
           <a:lstStyle>
-            <a:lvl1pPr algn="ctr" indent="0" marL="0">
+            <a:lvl1pPr marL="0" indent="0" algn="ctr">
               <a:buNone/>
               <a:defRPr lang="en-US" sz="1200" dirty="0">
                 <a:latin typeface="Book Antiqua" pitchFamily="34" charset="0"/>
@@ -3280,7 +3059,7 @@
             </a:lvl1pPr>
           </a:lstStyle>
           <a:p>
-            <a:pPr algn="ctr" indent="0" marL="0">
+            <a:pPr marL="0" indent="0" algn="ctr">
               <a:buNone/>
             </a:pPr>
             <a:r>
@@ -3342,7 +3121,7 @@
           </a:solidFill>
           <a:ln/>
           <a:effectLst>
-            <a:outerShdw sx="100000" sy="100000" kx="0" ky="0" algn="bl" rotWithShape="0" blurRad="190500" dist="25400" dir="2700000">
+            <a:outerShdw blurRad="190500" dist="25400" dir="2700000" algn="bl" rotWithShape="0">
               <a:srgbClr val="000000">
                 <a:alpha val="50000"/>
               </a:srgbClr>
@@ -3353,9 +3132,11 @@
       <p:sp>
         <p:nvSpPr>
           <p:cNvPr id="3" name="Text 1"/>
-          <p:cNvSpPr/>
-          <p:nvPr>
-            <p:ph idx="101" type="title" hasCustomPrompt="1"/>
+          <p:cNvSpPr>
+            <a:spLocks noGrp="1"/>
+          </p:cNvSpPr>
+          <p:nvPr>
+            <p:ph type="title" idx="101" hasCustomPrompt="1"/>
           </p:nvPr>
         </p:nvSpPr>
         <p:spPr>
@@ -3372,7 +3153,7 @@
         <p:txBody>
           <a:bodyPr wrap="square" rtlCol="0"/>
           <a:lstStyle>
-            <a:lvl1pPr algn="l" indent="0" marL="0">
+            <a:lvl1pPr marL="0" indent="0" algn="l">
               <a:buNone/>
               <a:defRPr lang="en-US" sz="6000" b="1" dirty="0">
                 <a:latin typeface="Book Antiqua" pitchFamily="34" charset="0"/>
@@ -3382,7 +3163,7 @@
             </a:lvl1pPr>
           </a:lstStyle>
           <a:p>
-            <a:pPr algn="l" indent="0" marL="0">
+            <a:pPr marL="0" indent="0" algn="l">
               <a:buNone/>
             </a:pPr>
             <a:r>
@@ -3403,9 +3184,11 @@
       <p:sp>
         <p:nvSpPr>
           <p:cNvPr id="4" name="Text 1"/>
-          <p:cNvSpPr/>
-          <p:nvPr>
-            <p:ph idx="102" type="body" hasCustomPrompt="1"/>
+          <p:cNvSpPr>
+            <a:spLocks noGrp="1"/>
+          </p:cNvSpPr>
+          <p:nvPr>
+            <p:ph type="body" idx="102" hasCustomPrompt="1"/>
           </p:nvPr>
         </p:nvSpPr>
         <p:spPr>
@@ -3422,7 +3205,7 @@
         <p:txBody>
           <a:bodyPr wrap="square" rtlCol="0"/>
           <a:lstStyle>
-            <a:lvl1pPr algn="l" indent="0" marL="0">
+            <a:lvl1pPr marL="0" indent="0" algn="l">
               <a:buNone/>
               <a:defRPr lang="en-US" sz="2400" dirty="0">
                 <a:latin typeface="Book Antiqua" pitchFamily="34" charset="0"/>
@@ -3432,7 +3215,7 @@
             </a:lvl1pPr>
           </a:lstStyle>
           <a:p>
-            <a:pPr algn="l" indent="0" marL="0">
+            <a:pPr marL="0" indent="0" algn="l">
               <a:buNone/>
             </a:pPr>
             <a:r>
@@ -3471,7 +3254,7 @@
           <a:bodyPr wrap="square" rtlCol="0" anchor="ctr"/>
           <a:lstStyle/>
           <a:p>
-            <a:pPr algn="r" indent="0" marL="0">
+            <a:pPr marL="0" indent="0" algn="r">
               <a:buNone/>
             </a:pPr>
             <a:endParaRPr lang="en-US" sz="1400" dirty="0"/>
@@ -3481,9 +3264,11 @@
       <p:sp>
         <p:nvSpPr>
           <p:cNvPr id="6" name="Text 2"/>
-          <p:cNvSpPr/>
-          <p:nvPr>
-            <p:ph idx="104" type="body" hasCustomPrompt="1"/>
+          <p:cNvSpPr>
+            <a:spLocks noGrp="1"/>
+          </p:cNvSpPr>
+          <p:nvPr>
+            <p:ph type="body" idx="104" hasCustomPrompt="1"/>
           </p:nvPr>
         </p:nvSpPr>
         <p:spPr>
@@ -3500,7 +3285,7 @@
         <p:txBody>
           <a:bodyPr wrap="square" rtlCol="0"/>
           <a:lstStyle>
-            <a:lvl1pPr algn="ctr" indent="0" marL="0">
+            <a:lvl1pPr marL="0" indent="0" algn="ctr">
               <a:buNone/>
               <a:defRPr lang="en-US" sz="1200" dirty="0">
                 <a:latin typeface="Book Antiqua" pitchFamily="34" charset="0"/>
@@ -3510,7 +3295,7 @@
             </a:lvl1pPr>
           </a:lstStyle>
           <a:p>
-            <a:pPr algn="ctr" indent="0" marL="0">
+            <a:pPr marL="0" indent="0" algn="ctr">
               <a:buNone/>
             </a:pPr>
             <a:r>
@@ -3572,7 +3357,7 @@
           </a:solidFill>
           <a:ln/>
           <a:effectLst>
-            <a:outerShdw sx="100000" sy="100000" kx="0" ky="0" algn="bl" rotWithShape="0" blurRad="190500" dist="25400" dir="2700000">
+            <a:outerShdw blurRad="190500" dist="25400" dir="2700000" algn="bl" rotWithShape="0">
               <a:srgbClr val="000000">
                 <a:alpha val="50000"/>
               </a:srgbClr>
@@ -3583,9 +3368,11 @@
       <p:sp>
         <p:nvSpPr>
           <p:cNvPr id="3" name="Text 1"/>
-          <p:cNvSpPr/>
-          <p:nvPr>
-            <p:ph idx="101" type="title" hasCustomPrompt="1"/>
+          <p:cNvSpPr>
+            <a:spLocks noGrp="1"/>
+          </p:cNvSpPr>
+          <p:nvPr>
+            <p:ph type="title" idx="101" hasCustomPrompt="1"/>
           </p:nvPr>
         </p:nvSpPr>
         <p:spPr>
@@ -3602,7 +3389,7 @@
         <p:txBody>
           <a:bodyPr wrap="square" rtlCol="0"/>
           <a:lstStyle>
-            <a:lvl1pPr algn="l" indent="0" marL="0">
+            <a:lvl1pPr marL="0" indent="0" algn="l">
               <a:buNone/>
               <a:defRPr lang="en-US" sz="2800" b="1" dirty="0">
                 <a:latin typeface="Book Antiqua" pitchFamily="34" charset="0"/>
@@ -3612,7 +3399,7 @@
             </a:lvl1pPr>
           </a:lstStyle>
           <a:p>
-            <a:pPr algn="l" indent="0" marL="0">
+            <a:pPr marL="0" indent="0" algn="l">
               <a:buNone/>
             </a:pPr>
             <a:r>
@@ -3633,9 +3420,11 @@
       <p:sp>
         <p:nvSpPr>
           <p:cNvPr id="4" name="Text 1"/>
-          <p:cNvSpPr/>
-          <p:nvPr>
-            <p:ph idx="102" type="body" hasCustomPrompt="1"/>
+          <p:cNvSpPr>
+            <a:spLocks noGrp="1"/>
+          </p:cNvSpPr>
+          <p:nvPr>
+            <p:ph type="body" idx="102" hasCustomPrompt="1"/>
           </p:nvPr>
         </p:nvSpPr>
         <p:spPr>
@@ -3652,7 +3441,7 @@
         <p:txBody>
           <a:bodyPr wrap="square" rtlCol="0"/>
           <a:lstStyle>
-            <a:lvl1pPr algn="l" indent="0" marL="0">
+            <a:lvl1pPr marL="0" indent="0" algn="l">
               <a:buNone/>
               <a:defRPr lang="en-US" sz="1600" dirty="0">
                 <a:latin typeface="Book Antiqua" pitchFamily="34" charset="0"/>
@@ -3662,7 +3451,7 @@
             </a:lvl1pPr>
           </a:lstStyle>
           <a:p>
-            <a:pPr algn="l" indent="0" marL="0">
+            <a:pPr marL="0" indent="0" algn="l">
               <a:buNone/>
             </a:pPr>
             <a:endParaRPr lang="en-US" sz="1600" dirty="0"/>
@@ -3672,9 +3461,11 @@
       <p:sp>
         <p:nvSpPr>
           <p:cNvPr id="5" name="Text 1"/>
-          <p:cNvSpPr/>
-          <p:nvPr>
-            <p:ph idx="103" type="body" hasCustomPrompt="1"/>
+          <p:cNvSpPr>
+            <a:spLocks noGrp="1"/>
+          </p:cNvSpPr>
+          <p:nvPr>
+            <p:ph type="body" idx="103" hasCustomPrompt="1"/>
           </p:nvPr>
         </p:nvSpPr>
         <p:spPr>
@@ -3691,7 +3482,7 @@
         <p:txBody>
           <a:bodyPr wrap="square" rtlCol="0"/>
           <a:lstStyle>
-            <a:lvl1pPr algn="l" indent="0" marL="0">
+            <a:lvl1pPr marL="0" indent="0" algn="l">
               <a:buNone/>
               <a:defRPr lang="en-US" sz="1600" dirty="0">
                 <a:latin typeface="Book Antiqua" pitchFamily="34" charset="0"/>
@@ -3701,7 +3492,7 @@
             </a:lvl1pPr>
           </a:lstStyle>
           <a:p>
-            <a:pPr algn="l" indent="0" marL="0">
+            <a:pPr marL="0" indent="0" algn="l">
               <a:buNone/>
             </a:pPr>
             <a:endParaRPr lang="en-US" sz="1600" dirty="0"/>
@@ -3711,9 +3502,11 @@
       <p:sp>
         <p:nvSpPr>
           <p:cNvPr id="6" name="Text 1"/>
-          <p:cNvSpPr/>
-          <p:nvPr>
-            <p:ph idx="104" type="body" hasCustomPrompt="1"/>
+          <p:cNvSpPr>
+            <a:spLocks noGrp="1"/>
+          </p:cNvSpPr>
+          <p:nvPr>
+            <p:ph type="body" idx="104" hasCustomPrompt="1"/>
           </p:nvPr>
         </p:nvSpPr>
         <p:spPr>
@@ -3730,7 +3523,7 @@
         <p:txBody>
           <a:bodyPr wrap="square" rtlCol="0"/>
           <a:lstStyle>
-            <a:lvl1pPr algn="l" indent="0" marL="0">
+            <a:lvl1pPr marL="0" indent="0" algn="l">
               <a:buNone/>
               <a:defRPr lang="en-US" sz="1600" dirty="0">
                 <a:latin typeface="Book Antiqua" pitchFamily="34" charset="0"/>
@@ -3740,7 +3533,7 @@
             </a:lvl1pPr>
           </a:lstStyle>
           <a:p>
-            <a:pPr algn="l" indent="0" marL="0">
+            <a:pPr marL="0" indent="0" algn="l">
               <a:buNone/>
             </a:pPr>
             <a:endParaRPr lang="en-US" sz="1600" dirty="0"/>
@@ -3768,7 +3561,7 @@
           <a:bodyPr wrap="square" rtlCol="0" anchor="ctr"/>
           <a:lstStyle/>
           <a:p>
-            <a:pPr algn="r" indent="0" marL="0">
+            <a:pPr marL="0" indent="0" algn="r">
               <a:buNone/>
             </a:pPr>
             <a:endParaRPr lang="en-US" sz="1400" dirty="0"/>
@@ -3778,9 +3571,11 @@
       <p:sp>
         <p:nvSpPr>
           <p:cNvPr id="8" name="Text 2"/>
-          <p:cNvSpPr/>
-          <p:nvPr>
-            <p:ph idx="106" type="body" hasCustomPrompt="1"/>
+          <p:cNvSpPr>
+            <a:spLocks noGrp="1"/>
+          </p:cNvSpPr>
+          <p:nvPr>
+            <p:ph type="body" idx="106" hasCustomPrompt="1"/>
           </p:nvPr>
         </p:nvSpPr>
         <p:spPr>
@@ -3797,7 +3592,7 @@
         <p:txBody>
           <a:bodyPr wrap="square" rtlCol="0"/>
           <a:lstStyle>
-            <a:lvl1pPr algn="ctr" indent="0" marL="0">
+            <a:lvl1pPr marL="0" indent="0" algn="ctr">
               <a:buNone/>
               <a:defRPr lang="en-US" sz="1200" dirty="0">
                 <a:latin typeface="Book Antiqua" pitchFamily="34" charset="0"/>
@@ -3807,7 +3602,7 @@
             </a:lvl1pPr>
           </a:lstStyle>
           <a:p>
-            <a:pPr algn="ctr" indent="0" marL="0">
+            <a:pPr marL="0" indent="0" algn="ctr">
               <a:buNone/>
             </a:pPr>
             <a:r>
@@ -3869,7 +3664,7 @@
           </a:solidFill>
           <a:ln/>
           <a:effectLst>
-            <a:outerShdw sx="100000" sy="100000" kx="0" ky="0" algn="bl" rotWithShape="0" blurRad="190500" dist="25400" dir="2700000">
+            <a:outerShdw blurRad="190500" dist="25400" dir="2700000" algn="bl" rotWithShape="0">
               <a:srgbClr val="000000">
                 <a:alpha val="50000"/>
               </a:srgbClr>
@@ -3880,9 +3675,11 @@
       <p:sp>
         <p:nvSpPr>
           <p:cNvPr id="3" name="Text 1"/>
-          <p:cNvSpPr/>
-          <p:nvPr>
-            <p:ph idx="101" type="title" hasCustomPrompt="1"/>
+          <p:cNvSpPr>
+            <a:spLocks noGrp="1"/>
+          </p:cNvSpPr>
+          <p:nvPr>
+            <p:ph type="title" idx="101" hasCustomPrompt="1"/>
           </p:nvPr>
         </p:nvSpPr>
         <p:spPr>
@@ -3899,7 +3696,7 @@
         <p:txBody>
           <a:bodyPr wrap="square" rtlCol="0"/>
           <a:lstStyle>
-            <a:lvl1pPr algn="r" indent="0" marL="0">
+            <a:lvl1pPr marL="0" indent="0" algn="r">
               <a:buNone/>
               <a:defRPr lang="en-US" sz="4000" b="1" dirty="0">
                 <a:latin typeface="Book Antiqua" pitchFamily="34" charset="0"/>
@@ -3909,7 +3706,7 @@
             </a:lvl1pPr>
           </a:lstStyle>
           <a:p>
-            <a:pPr algn="r" indent="0" marL="0">
+            <a:pPr marL="0" indent="0" algn="r">
               <a:buNone/>
             </a:pPr>
             <a:r>
@@ -3930,9 +3727,11 @@
       <p:sp>
         <p:nvSpPr>
           <p:cNvPr id="4" name="Text 1"/>
-          <p:cNvSpPr/>
-          <p:nvPr>
-            <p:ph idx="102" type="body" hasCustomPrompt="1"/>
+          <p:cNvSpPr>
+            <a:spLocks noGrp="1"/>
+          </p:cNvSpPr>
+          <p:nvPr>
+            <p:ph type="body" idx="102" hasCustomPrompt="1"/>
           </p:nvPr>
         </p:nvSpPr>
         <p:spPr>
@@ -3949,7 +3748,7 @@
         <p:txBody>
           <a:bodyPr wrap="square" rtlCol="0"/>
           <a:lstStyle>
-            <a:lvl1pPr algn="ctr" indent="0" marL="0">
+            <a:lvl1pPr marL="0" indent="0" algn="ctr">
               <a:buNone/>
               <a:defRPr lang="en-US" sz="2000" dirty="0">
                 <a:latin typeface="Book Antiqua" pitchFamily="34" charset="0"/>
@@ -3959,7 +3758,7 @@
             </a:lvl1pPr>
           </a:lstStyle>
           <a:p>
-            <a:pPr algn="ctr" indent="0" marL="0">
+            <a:pPr marL="0" indent="0" algn="ctr">
               <a:buNone/>
             </a:pPr>
             <a:r>
@@ -3998,7 +3797,7 @@
           <a:bodyPr wrap="square" rtlCol="0" anchor="ctr"/>
           <a:lstStyle/>
           <a:p>
-            <a:pPr algn="r" indent="0" marL="0">
+            <a:pPr marL="0" indent="0" algn="r">
               <a:buNone/>
             </a:pPr>
             <a:endParaRPr lang="en-US" sz="1400" dirty="0"/>
@@ -4008,9 +3807,11 @@
       <p:sp>
         <p:nvSpPr>
           <p:cNvPr id="6" name="Text 2"/>
-          <p:cNvSpPr/>
-          <p:nvPr>
-            <p:ph idx="104" type="body" hasCustomPrompt="1"/>
+          <p:cNvSpPr>
+            <a:spLocks noGrp="1"/>
+          </p:cNvSpPr>
+          <p:nvPr>
+            <p:ph type="body" idx="104" hasCustomPrompt="1"/>
           </p:nvPr>
         </p:nvSpPr>
         <p:spPr>
@@ -4027,7 +3828,7 @@
         <p:txBody>
           <a:bodyPr wrap="square" rtlCol="0"/>
           <a:lstStyle>
-            <a:lvl1pPr algn="ctr" indent="0" marL="0">
+            <a:lvl1pPr marL="0" indent="0" algn="ctr">
               <a:buNone/>
               <a:defRPr lang="en-US" sz="1200" dirty="0">
                 <a:latin typeface="Book Antiqua" pitchFamily="34" charset="0"/>
@@ -4037,7 +3838,7 @@
             </a:lvl1pPr>
           </a:lstStyle>
           <a:p>
-            <a:pPr algn="ctr" indent="0" marL="0">
+            <a:pPr marL="0" indent="0" algn="ctr">
               <a:buNone/>
             </a:pPr>
             <a:r>
@@ -4099,7 +3900,7 @@
           </a:solidFill>
           <a:ln/>
           <a:effectLst>
-            <a:outerShdw sx="100000" sy="100000" kx="0" ky="0" algn="bl" rotWithShape="0" blurRad="190500" dist="25400" dir="2700000">
+            <a:outerShdw blurRad="190500" dist="25400" dir="2700000" algn="bl" rotWithShape="0">
               <a:srgbClr val="000000">
                 <a:alpha val="50000"/>
               </a:srgbClr>
@@ -4110,9 +3911,11 @@
       <p:sp>
         <p:nvSpPr>
           <p:cNvPr id="3" name="Text 1"/>
-          <p:cNvSpPr/>
-          <p:nvPr>
-            <p:ph idx="101" type="title" hasCustomPrompt="1"/>
+          <p:cNvSpPr>
+            <a:spLocks noGrp="1"/>
+          </p:cNvSpPr>
+          <p:nvPr>
+            <p:ph type="title" idx="101" hasCustomPrompt="1"/>
           </p:nvPr>
         </p:nvSpPr>
         <p:spPr>
@@ -4129,7 +3932,7 @@
         <p:txBody>
           <a:bodyPr wrap="square" rtlCol="0"/>
           <a:lstStyle>
-            <a:lvl1pPr algn="l" indent="0" marL="0">
+            <a:lvl1pPr marL="0" indent="0" algn="l">
               <a:buNone/>
               <a:defRPr lang="en-US" sz="2800" b="1" dirty="0">
                 <a:latin typeface="Book Antiqua" pitchFamily="34" charset="0"/>
@@ -4139,7 +3942,7 @@
             </a:lvl1pPr>
           </a:lstStyle>
           <a:p>
-            <a:pPr algn="l" indent="0" marL="0">
+            <a:pPr marL="0" indent="0" algn="l">
               <a:buNone/>
             </a:pPr>
             <a:r>
@@ -4160,9 +3963,11 @@
       <p:sp>
         <p:nvSpPr>
           <p:cNvPr id="4" name="Text 1"/>
-          <p:cNvSpPr/>
-          <p:nvPr>
-            <p:ph idx="102" type="body" hasCustomPrompt="1"/>
+          <p:cNvSpPr>
+            <a:spLocks noGrp="1"/>
+          </p:cNvSpPr>
+          <p:nvPr>
+            <p:ph type="body" idx="102" hasCustomPrompt="1"/>
           </p:nvPr>
         </p:nvSpPr>
         <p:spPr>
@@ -4179,7 +3984,7 @@
         <p:txBody>
           <a:bodyPr wrap="square" rtlCol="0"/>
           <a:lstStyle>
-            <a:lvl1pPr algn="l" indent="0" marL="0">
+            <a:lvl1pPr marL="0" indent="0" algn="l">
               <a:buNone/>
               <a:defRPr lang="en-US" sz="1600" dirty="0">
                 <a:latin typeface="Book Antiqua" pitchFamily="34" charset="0"/>
@@ -4189,7 +3994,7 @@
             </a:lvl1pPr>
           </a:lstStyle>
           <a:p>
-            <a:pPr algn="l" indent="0" marL="0">
+            <a:pPr marL="0" indent="0" algn="l">
               <a:buNone/>
             </a:pPr>
             <a:endParaRPr lang="en-US" sz="1600" dirty="0"/>
@@ -4199,9 +4004,11 @@
       <p:sp>
         <p:nvSpPr>
           <p:cNvPr id="5" name="Text 1"/>
-          <p:cNvSpPr/>
-          <p:nvPr>
-            <p:ph idx="103" type="body" hasCustomPrompt="1"/>
+          <p:cNvSpPr>
+            <a:spLocks noGrp="1"/>
+          </p:cNvSpPr>
+          <p:nvPr>
+            <p:ph type="body" idx="103" hasCustomPrompt="1"/>
           </p:nvPr>
         </p:nvSpPr>
         <p:spPr>
@@ -4218,7 +4025,7 @@
         <p:txBody>
           <a:bodyPr wrap="square" rtlCol="0"/>
           <a:lstStyle>
-            <a:lvl1pPr algn="l" indent="0" marL="0">
+            <a:lvl1pPr marL="0" indent="0" algn="l">
               <a:buNone/>
               <a:defRPr lang="en-US" sz="1600" dirty="0">
                 <a:latin typeface="Book Antiqua" pitchFamily="34" charset="0"/>
@@ -4228,7 +4035,7 @@
             </a:lvl1pPr>
           </a:lstStyle>
           <a:p>
-            <a:pPr algn="l" indent="0" marL="0">
+            <a:pPr marL="0" indent="0" algn="l">
               <a:buNone/>
             </a:pPr>
             <a:endParaRPr lang="en-US" sz="1600" dirty="0"/>
@@ -4256,7 +4063,7 @@
           <a:bodyPr wrap="square" rtlCol="0" anchor="ctr"/>
           <a:lstStyle/>
           <a:p>
-            <a:pPr algn="r" indent="0" marL="0">
+            <a:pPr marL="0" indent="0" algn="r">
               <a:buNone/>
             </a:pPr>
             <a:endParaRPr lang="en-US" sz="1400" dirty="0"/>
@@ -4266,9 +4073,11 @@
       <p:sp>
         <p:nvSpPr>
           <p:cNvPr id="7" name="Text 2"/>
-          <p:cNvSpPr/>
-          <p:nvPr>
-            <p:ph idx="105" type="body" hasCustomPrompt="1"/>
+          <p:cNvSpPr>
+            <a:spLocks noGrp="1"/>
+          </p:cNvSpPr>
+          <p:nvPr>
+            <p:ph type="body" idx="105" hasCustomPrompt="1"/>
           </p:nvPr>
         </p:nvSpPr>
         <p:spPr>
@@ -4285,7 +4094,7 @@
         <p:txBody>
           <a:bodyPr wrap="square" rtlCol="0"/>
           <a:lstStyle>
-            <a:lvl1pPr algn="ctr" indent="0" marL="0">
+            <a:lvl1pPr marL="0" indent="0" algn="ctr">
               <a:buNone/>
               <a:defRPr lang="en-US" sz="1200" dirty="0">
                 <a:latin typeface="Book Antiqua" pitchFamily="34" charset="0"/>
@@ -4295,7 +4104,7 @@
             </a:lvl1pPr>
           </a:lstStyle>
           <a:p>
-            <a:pPr algn="ctr" indent="0" marL="0">
+            <a:pPr marL="0" indent="0" algn="ctr">
               <a:buNone/>
             </a:pPr>
             <a:r>
@@ -4357,7 +4166,7 @@
           </a:solidFill>
           <a:ln/>
           <a:effectLst>
-            <a:outerShdw sx="100000" sy="100000" kx="0" ky="0" algn="bl" rotWithShape="0" blurRad="190500" dist="25400" dir="2700000">
+            <a:outerShdw blurRad="190500" dist="25400" dir="2700000" algn="bl" rotWithShape="0">
               <a:srgbClr val="000000">
                 <a:alpha val="50000"/>
               </a:srgbClr>
@@ -4368,9 +4177,11 @@
       <p:sp>
         <p:nvSpPr>
           <p:cNvPr id="3" name="Text 1"/>
-          <p:cNvSpPr/>
-          <p:nvPr>
-            <p:ph idx="101" type="title" hasCustomPrompt="1"/>
+          <p:cNvSpPr>
+            <a:spLocks noGrp="1"/>
+          </p:cNvSpPr>
+          <p:nvPr>
+            <p:ph type="title" idx="101" hasCustomPrompt="1"/>
           </p:nvPr>
         </p:nvSpPr>
         <p:spPr>
@@ -4387,7 +4198,7 @@
         <p:txBody>
           <a:bodyPr wrap="square" rtlCol="0"/>
           <a:lstStyle>
-            <a:lvl1pPr algn="ctr" indent="0" marL="0">
+            <a:lvl1pPr marL="0" indent="0" algn="ctr">
               <a:buNone/>
               <a:defRPr lang="en-US" sz="3600" b="1" dirty="0">
                 <a:latin typeface="Book Antiqua" pitchFamily="34" charset="0"/>
@@ -4397,7 +4208,7 @@
             </a:lvl1pPr>
           </a:lstStyle>
           <a:p>
-            <a:pPr algn="ctr" indent="0" marL="0">
+            <a:pPr marL="0" indent="0" algn="ctr">
               <a:buNone/>
             </a:pPr>
             <a:r>
@@ -4418,9 +4229,11 @@
       <p:sp>
         <p:nvSpPr>
           <p:cNvPr id="4" name="Text 1"/>
-          <p:cNvSpPr/>
-          <p:nvPr>
-            <p:ph idx="102" type="body" hasCustomPrompt="1"/>
+          <p:cNvSpPr>
+            <a:spLocks noGrp="1"/>
+          </p:cNvSpPr>
+          <p:nvPr>
+            <p:ph type="body" idx="102" hasCustomPrompt="1"/>
           </p:nvPr>
         </p:nvSpPr>
         <p:spPr>
@@ -4437,7 +4250,7 @@
         <p:txBody>
           <a:bodyPr wrap="square" rtlCol="0"/>
           <a:lstStyle>
-            <a:lvl1pPr algn="ctr" indent="0" marL="0">
+            <a:lvl1pPr marL="0" indent="0" algn="ctr">
               <a:buNone/>
               <a:defRPr lang="en-US" sz="2400" b="1" dirty="0">
                 <a:latin typeface="Book Antiqua" pitchFamily="34" charset="0"/>
@@ -4447,7 +4260,7 @@
             </a:lvl1pPr>
           </a:lstStyle>
           <a:p>
-            <a:pPr algn="ctr" indent="0" marL="0">
+            <a:pPr marL="0" indent="0" algn="ctr">
               <a:buNone/>
             </a:pPr>
             <a:r>
@@ -4468,9 +4281,11 @@
       <p:sp>
         <p:nvSpPr>
           <p:cNvPr id="5" name="Text 1"/>
-          <p:cNvSpPr/>
-          <p:nvPr>
-            <p:ph idx="103" type="body" hasCustomPrompt="1"/>
+          <p:cNvSpPr>
+            <a:spLocks noGrp="1"/>
+          </p:cNvSpPr>
+          <p:nvPr>
+            <p:ph type="body" idx="103" hasCustomPrompt="1"/>
           </p:nvPr>
         </p:nvSpPr>
         <p:spPr>
@@ -4487,7 +4302,7 @@
         <p:txBody>
           <a:bodyPr wrap="square" rtlCol="0"/>
           <a:lstStyle>
-            <a:lvl1pPr algn="ctr" indent="0" marL="0">
+            <a:lvl1pPr marL="0" indent="0" algn="ctr">
               <a:buNone/>
               <a:defRPr lang="en-US" sz="2400" b="1" dirty="0">
                 <a:latin typeface="Book Antiqua" pitchFamily="34" charset="0"/>
@@ -4497,7 +4312,7 @@
             </a:lvl1pPr>
           </a:lstStyle>
           <a:p>
-            <a:pPr algn="ctr" indent="0" marL="0">
+            <a:pPr marL="0" indent="0" algn="ctr">
               <a:buNone/>
             </a:pPr>
             <a:r>
@@ -4518,9 +4333,11 @@
       <p:sp>
         <p:nvSpPr>
           <p:cNvPr id="6" name="Text 1"/>
-          <p:cNvSpPr/>
-          <p:nvPr>
-            <p:ph idx="104" type="body" hasCustomPrompt="1"/>
+          <p:cNvSpPr>
+            <a:spLocks noGrp="1"/>
+          </p:cNvSpPr>
+          <p:nvPr>
+            <p:ph type="body" idx="104" hasCustomPrompt="1"/>
           </p:nvPr>
         </p:nvSpPr>
         <p:spPr>
@@ -4537,7 +4354,7 @@
         <p:txBody>
           <a:bodyPr wrap="square" rtlCol="0"/>
           <a:lstStyle>
-            <a:lvl1pPr algn="l" indent="0" marL="0">
+            <a:lvl1pPr marL="0" indent="0" algn="l">
               <a:buNone/>
               <a:defRPr lang="en-US" sz="1800" dirty="0">
                 <a:latin typeface="Book Antiqua" pitchFamily="34" charset="0"/>
@@ -4547,7 +4364,7 @@
             </a:lvl1pPr>
           </a:lstStyle>
           <a:p>
-            <a:pPr algn="l" indent="0" marL="0">
+            <a:pPr marL="0" indent="0" algn="l">
               <a:buNone/>
             </a:pPr>
             <a:r>
@@ -4568,9 +4385,11 @@
       <p:sp>
         <p:nvSpPr>
           <p:cNvPr id="7" name="Text 1"/>
-          <p:cNvSpPr/>
-          <p:nvPr>
-            <p:ph idx="105" type="body" hasCustomPrompt="1"/>
+          <p:cNvSpPr>
+            <a:spLocks noGrp="1"/>
+          </p:cNvSpPr>
+          <p:nvPr>
+            <p:ph type="body" idx="105" hasCustomPrompt="1"/>
           </p:nvPr>
         </p:nvSpPr>
         <p:spPr>
@@ -4587,7 +4406,7 @@
         <p:txBody>
           <a:bodyPr wrap="square" rtlCol="0"/>
           <a:lstStyle>
-            <a:lvl1pPr algn="l" indent="0" marL="0">
+            <a:lvl1pPr marL="0" indent="0" algn="l">
               <a:buNone/>
               <a:defRPr lang="en-US" sz="1800" dirty="0">
                 <a:latin typeface="Book Antiqua" pitchFamily="34" charset="0"/>
@@ -4597,7 +4416,7 @@
             </a:lvl1pPr>
           </a:lstStyle>
           <a:p>
-            <a:pPr algn="l" indent="0" marL="0">
+            <a:pPr marL="0" indent="0" algn="l">
               <a:buNone/>
             </a:pPr>
             <a:r>
@@ -4636,7 +4455,7 @@
           <a:bodyPr wrap="square" rtlCol="0" anchor="ctr"/>
           <a:lstStyle/>
           <a:p>
-            <a:pPr algn="r" indent="0" marL="0">
+            <a:pPr marL="0" indent="0" algn="r">
               <a:buNone/>
             </a:pPr>
             <a:endParaRPr lang="en-US" sz="1400" dirty="0"/>
@@ -4646,9 +4465,11 @@
       <p:sp>
         <p:nvSpPr>
           <p:cNvPr id="9" name="Text 2"/>
-          <p:cNvSpPr/>
-          <p:nvPr>
-            <p:ph idx="107" type="body" hasCustomPrompt="1"/>
+          <p:cNvSpPr>
+            <a:spLocks noGrp="1"/>
+          </p:cNvSpPr>
+          <p:nvPr>
+            <p:ph type="body" idx="107" hasCustomPrompt="1"/>
           </p:nvPr>
         </p:nvSpPr>
         <p:spPr>
@@ -4665,7 +4486,7 @@
         <p:txBody>
           <a:bodyPr wrap="square" rtlCol="0"/>
           <a:lstStyle>
-            <a:lvl1pPr algn="ctr" indent="0" marL="0">
+            <a:lvl1pPr marL="0" indent="0" algn="ctr">
               <a:buNone/>
               <a:defRPr lang="en-US" sz="1200" dirty="0">
                 <a:latin typeface="Book Antiqua" pitchFamily="34" charset="0"/>
@@ -4675,7 +4496,7 @@
             </a:lvl1pPr>
           </a:lstStyle>
           <a:p>
-            <a:pPr algn="ctr" indent="0" marL="0">
+            <a:pPr marL="0" indent="0" algn="ctr">
               <a:buNone/>
             </a:pPr>
             <a:r>
@@ -4737,7 +4558,7 @@
           </a:solidFill>
           <a:ln/>
           <a:effectLst>
-            <a:outerShdw sx="100000" sy="100000" kx="0" ky="0" algn="bl" rotWithShape="0" blurRad="190500" dist="25400" dir="2700000">
+            <a:outerShdw blurRad="190500" dist="25400" dir="2700000" algn="bl" rotWithShape="0">
               <a:srgbClr val="000000">
                 <a:alpha val="50000"/>
               </a:srgbClr>
@@ -4748,9 +4569,11 @@
       <p:sp>
         <p:nvSpPr>
           <p:cNvPr id="3" name="Text 1"/>
-          <p:cNvSpPr/>
-          <p:nvPr>
-            <p:ph idx="101" type="title" hasCustomPrompt="1"/>
+          <p:cNvSpPr>
+            <a:spLocks noGrp="1"/>
+          </p:cNvSpPr>
+          <p:nvPr>
+            <p:ph type="title" idx="101" hasCustomPrompt="1"/>
           </p:nvPr>
         </p:nvSpPr>
         <p:spPr>
@@ -4767,7 +4590,7 @@
         <p:txBody>
           <a:bodyPr wrap="square" rtlCol="0"/>
           <a:lstStyle>
-            <a:lvl1pPr algn="ctr" indent="0" marL="0">
+            <a:lvl1pPr marL="0" indent="0" algn="ctr">
               <a:buNone/>
               <a:defRPr lang="en-US" sz="3600" b="1" dirty="0">
                 <a:latin typeface="Book Antiqua" pitchFamily="34" charset="0"/>
@@ -4777,7 +4600,7 @@
             </a:lvl1pPr>
           </a:lstStyle>
           <a:p>
-            <a:pPr algn="ctr" indent="0" marL="0">
+            <a:pPr marL="0" indent="0" algn="ctr">
               <a:buNone/>
             </a:pPr>
             <a:r>
@@ -4798,9 +4621,11 @@
       <p:sp>
         <p:nvSpPr>
           <p:cNvPr id="4" name="Text 1"/>
-          <p:cNvSpPr/>
-          <p:nvPr>
-            <p:ph idx="102" type="body" hasCustomPrompt="1"/>
+          <p:cNvSpPr>
+            <a:spLocks noGrp="1"/>
+          </p:cNvSpPr>
+          <p:nvPr>
+            <p:ph type="body" idx="102" hasCustomPrompt="1"/>
           </p:nvPr>
         </p:nvSpPr>
         <p:spPr>
@@ -4817,7 +4642,7 @@
         <p:txBody>
           <a:bodyPr wrap="square" rtlCol="0"/>
           <a:lstStyle>
-            <a:lvl1pPr algn="ctr" indent="0" marL="0">
+            <a:lvl1pPr marL="0" indent="0" algn="ctr">
               <a:buNone/>
               <a:defRPr lang="en-US" sz="2000" dirty="0">
                 <a:latin typeface="Book Antiqua" pitchFamily="34" charset="0"/>
@@ -4827,7 +4652,7 @@
             </a:lvl1pPr>
           </a:lstStyle>
           <a:p>
-            <a:pPr algn="ctr" indent="0" marL="0">
+            <a:pPr marL="0" indent="0" algn="ctr">
               <a:buNone/>
             </a:pPr>
             <a:endParaRPr lang="en-US" sz="2000" dirty="0"/>
@@ -4837,7 +4662,9 @@
       <p:sp>
         <p:nvSpPr>
           <p:cNvPr id="5" name="Text 1"/>
-          <p:cNvSpPr/>
+          <p:cNvSpPr>
+            <a:spLocks noGrp="1"/>
+          </p:cNvSpPr>
           <p:nvPr>
             <p:ph idx="103" hasCustomPrompt="1"/>
           </p:nvPr>
@@ -4856,13 +4683,13 @@
         <p:txBody>
           <a:bodyPr wrap="square" rtlCol="0"/>
           <a:lstStyle>
-            <a:lvl1pPr indent="0" marL="0">
+            <a:lvl1pPr marL="0" indent="0">
               <a:buNone/>
               <a:defRPr lang="en-US" dirty="0"/>
             </a:lvl1pPr>
           </a:lstStyle>
           <a:p>
-            <a:pPr indent="0" marL="0">
+            <a:pPr marL="0" indent="0">
               <a:buNone/>
             </a:pPr>
             <a:r>
@@ -4880,9 +4707,11 @@
       <p:sp>
         <p:nvSpPr>
           <p:cNvPr id="6" name="Text 1"/>
-          <p:cNvSpPr/>
-          <p:nvPr>
-            <p:ph idx="104" type="body" hasCustomPrompt="1"/>
+          <p:cNvSpPr>
+            <a:spLocks noGrp="1"/>
+          </p:cNvSpPr>
+          <p:nvPr>
+            <p:ph type="body" idx="104" hasCustomPrompt="1"/>
           </p:nvPr>
         </p:nvSpPr>
         <p:spPr>
@@ -4899,7 +4728,7 @@
         <p:txBody>
           <a:bodyPr wrap="square" rtlCol="0"/>
           <a:lstStyle>
-            <a:lvl1pPr algn="ctr" indent="0" marL="0">
+            <a:lvl1pPr marL="0" indent="0" algn="ctr">
               <a:buNone/>
               <a:defRPr lang="en-US" sz="2000" dirty="0">
                 <a:latin typeface="Book Antiqua" pitchFamily="34" charset="0"/>
@@ -4909,7 +4738,7 @@
             </a:lvl1pPr>
           </a:lstStyle>
           <a:p>
-            <a:pPr algn="ctr" indent="0" marL="0">
+            <a:pPr marL="0" indent="0" algn="ctr">
               <a:buNone/>
             </a:pPr>
             <a:endParaRPr lang="en-US" sz="2000" dirty="0"/>
@@ -4919,7 +4748,9 @@
       <p:sp>
         <p:nvSpPr>
           <p:cNvPr id="7" name="Text 1"/>
-          <p:cNvSpPr/>
+          <p:cNvSpPr>
+            <a:spLocks noGrp="1"/>
+          </p:cNvSpPr>
           <p:nvPr>
             <p:ph idx="105" hasCustomPrompt="1"/>
           </p:nvPr>
@@ -4938,13 +4769,13 @@
         <p:txBody>
           <a:bodyPr wrap="square" rtlCol="0"/>
           <a:lstStyle>
-            <a:lvl1pPr indent="0" marL="0">
+            <a:lvl1pPr marL="0" indent="0">
               <a:buNone/>
               <a:defRPr lang="en-US" dirty="0"/>
             </a:lvl1pPr>
           </a:lstStyle>
           <a:p>
-            <a:pPr indent="0" marL="0">
+            <a:pPr marL="0" indent="0">
               <a:buNone/>
             </a:pPr>
             <a:r>
@@ -4962,9 +4793,11 @@
       <p:sp>
         <p:nvSpPr>
           <p:cNvPr id="8" name="Text 1"/>
-          <p:cNvSpPr/>
-          <p:nvPr>
-            <p:ph idx="106" type="body" hasCustomPrompt="1"/>
+          <p:cNvSpPr>
+            <a:spLocks noGrp="1"/>
+          </p:cNvSpPr>
+          <p:nvPr>
+            <p:ph type="body" idx="106" hasCustomPrompt="1"/>
           </p:nvPr>
         </p:nvSpPr>
         <p:spPr>
@@ -4981,7 +4814,7 @@
         <p:txBody>
           <a:bodyPr wrap="square" rtlCol="0"/>
           <a:lstStyle>
-            <a:lvl1pPr algn="ctr" indent="0" marL="0">
+            <a:lvl1pPr marL="0" indent="0" algn="ctr">
               <a:buNone/>
               <a:defRPr lang="en-US" sz="2000" dirty="0">
                 <a:latin typeface="Book Antiqua" pitchFamily="34" charset="0"/>
@@ -4991,7 +4824,7 @@
             </a:lvl1pPr>
           </a:lstStyle>
           <a:p>
-            <a:pPr algn="ctr" indent="0" marL="0">
+            <a:pPr marL="0" indent="0" algn="ctr">
               <a:buNone/>
             </a:pPr>
             <a:endParaRPr lang="en-US" sz="2000" dirty="0"/>
@@ -5001,7 +4834,9 @@
       <p:sp>
         <p:nvSpPr>
           <p:cNvPr id="9" name="Text 1"/>
-          <p:cNvSpPr/>
+          <p:cNvSpPr>
+            <a:spLocks noGrp="1"/>
+          </p:cNvSpPr>
           <p:nvPr>
             <p:ph idx="107" hasCustomPrompt="1"/>
           </p:nvPr>
@@ -5020,13 +4855,13 @@
         <p:txBody>
           <a:bodyPr wrap="square" rtlCol="0"/>
           <a:lstStyle>
-            <a:lvl1pPr indent="0" marL="0">
+            <a:lvl1pPr marL="0" indent="0">
               <a:buNone/>
               <a:defRPr lang="en-US" dirty="0"/>
             </a:lvl1pPr>
           </a:lstStyle>
           <a:p>
-            <a:pPr indent="0" marL="0">
+            <a:pPr marL="0" indent="0">
               <a:buNone/>
             </a:pPr>
             <a:r>
@@ -5062,7 +4897,7 @@
           <a:bodyPr wrap="square" rtlCol="0" anchor="ctr"/>
           <a:lstStyle/>
           <a:p>
-            <a:pPr algn="r" indent="0" marL="0">
+            <a:pPr marL="0" indent="0" algn="r">
               <a:buNone/>
             </a:pPr>
             <a:endParaRPr lang="en-US" sz="1400" dirty="0"/>
@@ -5072,9 +4907,11 @@
       <p:sp>
         <p:nvSpPr>
           <p:cNvPr id="11" name="Text 2"/>
-          <p:cNvSpPr/>
-          <p:nvPr>
-            <p:ph idx="109" type="body" hasCustomPrompt="1"/>
+          <p:cNvSpPr>
+            <a:spLocks noGrp="1"/>
+          </p:cNvSpPr>
+          <p:nvPr>
+            <p:ph type="body" idx="109" hasCustomPrompt="1"/>
           </p:nvPr>
         </p:nvSpPr>
         <p:spPr>
@@ -5091,7 +4928,7 @@
         <p:txBody>
           <a:bodyPr wrap="square" rtlCol="0"/>
           <a:lstStyle>
-            <a:lvl1pPr algn="ctr" indent="0" marL="0">
+            <a:lvl1pPr marL="0" indent="0" algn="ctr">
               <a:buNone/>
               <a:defRPr lang="en-US" sz="1200" dirty="0">
                 <a:latin typeface="Book Antiqua" pitchFamily="34" charset="0"/>
@@ -5101,7 +4938,7 @@
             </a:lvl1pPr>
           </a:lstStyle>
           <a:p>
-            <a:pPr algn="ctr" indent="0" marL="0">
+            <a:pPr marL="0" indent="0" algn="ctr">
               <a:buNone/>
             </a:pPr>
             <a:r>
@@ -5163,7 +5000,7 @@
           </a:solidFill>
           <a:ln/>
           <a:effectLst>
-            <a:outerShdw sx="100000" sy="100000" kx="0" ky="0" algn="bl" rotWithShape="0" blurRad="190500" dist="25400" dir="2700000">
+            <a:outerShdw blurRad="190500" dist="25400" dir="2700000" algn="bl" rotWithShape="0">
               <a:srgbClr val="000000">
                 <a:alpha val="50000"/>
               </a:srgbClr>
@@ -5174,9 +5011,11 @@
       <p:sp>
         <p:nvSpPr>
           <p:cNvPr id="3" name="Text 1"/>
-          <p:cNvSpPr/>
-          <p:nvPr>
-            <p:ph idx="101" type="title" hasCustomPrompt="1"/>
+          <p:cNvSpPr>
+            <a:spLocks noGrp="1"/>
+          </p:cNvSpPr>
+          <p:nvPr>
+            <p:ph type="title" idx="101" hasCustomPrompt="1"/>
           </p:nvPr>
         </p:nvSpPr>
         <p:spPr>
@@ -5193,7 +5032,7 @@
         <p:txBody>
           <a:bodyPr wrap="square" rtlCol="0"/>
           <a:lstStyle>
-            <a:lvl1pPr algn="l" indent="0" marL="0">
+            <a:lvl1pPr marL="0" indent="0" algn="l">
               <a:buNone/>
               <a:defRPr lang="en-US" sz="2800" dirty="0">
                 <a:latin typeface="Book Antiqua" pitchFamily="34" charset="0"/>
@@ -5203,7 +5042,7 @@
             </a:lvl1pPr>
           </a:lstStyle>
           <a:p>
-            <a:pPr algn="l" indent="0" marL="0">
+            <a:pPr marL="0" indent="0" algn="l">
               <a:buNone/>
             </a:pPr>
             <a:r>
@@ -5224,9 +5063,11 @@
       <p:sp>
         <p:nvSpPr>
           <p:cNvPr id="4" name="Text 1"/>
-          <p:cNvSpPr/>
-          <p:nvPr>
-            <p:ph idx="102" type="body" hasCustomPrompt="1"/>
+          <p:cNvSpPr>
+            <a:spLocks noGrp="1"/>
+          </p:cNvSpPr>
+          <p:nvPr>
+            <p:ph type="body" idx="102" hasCustomPrompt="1"/>
           </p:nvPr>
         </p:nvSpPr>
         <p:spPr>
@@ -5243,7 +5084,7 @@
         <p:txBody>
           <a:bodyPr wrap="square" rtlCol="0"/>
           <a:lstStyle>
-            <a:lvl1pPr algn="l" indent="0" marL="0">
+            <a:lvl1pPr marL="0" indent="0" algn="l">
               <a:buNone/>
               <a:defRPr lang="en-US" sz="1800" dirty="0">
                 <a:latin typeface="Book Antiqua" pitchFamily="34" charset="0"/>
@@ -5253,7 +5094,7 @@
             </a:lvl1pPr>
           </a:lstStyle>
           <a:p>
-            <a:pPr algn="l" indent="0" marL="0">
+            <a:pPr marL="0" indent="0" algn="l">
               <a:buNone/>
             </a:pPr>
             <a:r>
@@ -5274,9 +5115,11 @@
       <p:sp>
         <p:nvSpPr>
           <p:cNvPr id="5" name="Text 1"/>
-          <p:cNvSpPr/>
-          <p:nvPr>
-            <p:ph idx="103" type="body" hasCustomPrompt="1"/>
+          <p:cNvSpPr>
+            <a:spLocks noGrp="1"/>
+          </p:cNvSpPr>
+          <p:nvPr>
+            <p:ph type="body" idx="103" hasCustomPrompt="1"/>
           </p:nvPr>
         </p:nvSpPr>
         <p:spPr>
@@ -5293,7 +5136,7 @@
         <p:txBody>
           <a:bodyPr wrap="square" rtlCol="0"/>
           <a:lstStyle>
-            <a:lvl1pPr algn="l" indent="0" marL="0">
+            <a:lvl1pPr marL="0" indent="0" algn="l">
               <a:buNone/>
               <a:defRPr lang="en-US" sz="1600" dirty="0">
                 <a:latin typeface="Book Antiqua" pitchFamily="34" charset="0"/>
@@ -5303,7 +5146,7 @@
             </a:lvl1pPr>
           </a:lstStyle>
           <a:p>
-            <a:pPr algn="l" indent="0" marL="0">
+            <a:pPr marL="0" indent="0" algn="l">
               <a:buNone/>
             </a:pPr>
             <a:r>
@@ -5342,7 +5185,7 @@
           <a:bodyPr wrap="square" rtlCol="0" anchor="ctr"/>
           <a:lstStyle/>
           <a:p>
-            <a:pPr algn="r" indent="0" marL="0">
+            <a:pPr marL="0" indent="0" algn="r">
               <a:buNone/>
             </a:pPr>
             <a:endParaRPr lang="en-US" sz="1400" dirty="0"/>
@@ -5352,9 +5195,11 @@
       <p:sp>
         <p:nvSpPr>
           <p:cNvPr id="7" name="Text 2"/>
-          <p:cNvSpPr/>
-          <p:nvPr>
-            <p:ph idx="105" type="body" hasCustomPrompt="1"/>
+          <p:cNvSpPr>
+            <a:spLocks noGrp="1"/>
+          </p:cNvSpPr>
+          <p:nvPr>
+            <p:ph type="body" idx="105" hasCustomPrompt="1"/>
           </p:nvPr>
         </p:nvSpPr>
         <p:spPr>
@@ -5371,7 +5216,7 @@
         <p:txBody>
           <a:bodyPr wrap="square" rtlCol="0"/>
           <a:lstStyle>
-            <a:lvl1pPr algn="ctr" indent="0" marL="0">
+            <a:lvl1pPr marL="0" indent="0" algn="ctr">
               <a:buNone/>
               <a:defRPr lang="en-US" sz="1200" dirty="0">
                 <a:latin typeface="Book Antiqua" pitchFamily="34" charset="0"/>
@@ -5381,7 +5226,7 @@
             </a:lvl1pPr>
           </a:lstStyle>
           <a:p>
-            <a:pPr algn="ctr" indent="0" marL="0">
+            <a:pPr marL="0" indent="0" algn="ctr">
               <a:buNone/>
             </a:pPr>
             <a:r>
@@ -5410,6 +5255,11 @@
 <file path=ppt/slideMasters/slideMaster1.xml><?xml version="1.0" encoding="utf-8"?>
 <p:sldMaster xmlns:a="http://schemas.openxmlformats.org/drawingml/2006/main" xmlns:r="http://schemas.openxmlformats.org/officeDocument/2006/relationships" xmlns:p="http://schemas.openxmlformats.org/presentationml/2006/main">
   <p:cSld>
+    <p:bg>
+      <p:bgRef idx="1001">
+        <a:schemeClr val="bg1"/>
+      </p:bgRef>
+    </p:bg>
     <p:spTree>
       <p:nvGrpSpPr>
         <p:cNvPr id="1" name=""/>
@@ -5703,7 +5553,7 @@
     <p:bg>
       <p:bgPr>
         <a:blipFill dpi="0" rotWithShape="1">
-          <a:blip r:embed="rId1">
+          <a:blip r:embed="rId3">
             <a:lum/>
           </a:blip>
           <a:srcRect/>
@@ -5731,9 +5581,11 @@
       <p:sp>
         <p:nvSpPr>
           <p:cNvPr id="2" name="Text 1"/>
-          <p:cNvSpPr/>
-          <p:nvPr>
-            <p:ph idx="101" type="title" hasCustomPrompt="1"/>
+          <p:cNvSpPr>
+            <a:spLocks noGrp="1"/>
+          </p:cNvSpPr>
+          <p:nvPr>
+            <p:ph type="title" idx="101" hasCustomPrompt="1"/>
           </p:nvPr>
         </p:nvSpPr>
         <p:spPr>
@@ -5751,7 +5603,7 @@
           <a:bodyPr wrap="square" rtlCol="0" anchor="ctr"/>
           <a:lstStyle/>
           <a:p>
-            <a:pPr algn="l" indent="0" marL="0">
+            <a:pPr marL="0" indent="0" algn="l">
               <a:buNone/>
             </a:pPr>
             <a:r>
@@ -5772,9 +5624,11 @@
       <p:sp>
         <p:nvSpPr>
           <p:cNvPr id="3" name="Text 1"/>
-          <p:cNvSpPr/>
-          <p:nvPr>
-            <p:ph idx="102" type="body" hasCustomPrompt="1"/>
+          <p:cNvSpPr>
+            <a:spLocks noGrp="1"/>
+          </p:cNvSpPr>
+          <p:nvPr>
+            <p:ph type="body" idx="102" hasCustomPrompt="1"/>
           </p:nvPr>
         </p:nvSpPr>
         <p:spPr>
@@ -5792,7 +5646,7 @@
           <a:bodyPr wrap="square" rtlCol="0" anchor="t"/>
           <a:lstStyle/>
           <a:p>
-            <a:pPr algn="l" indent="0" marL="0">
+            <a:pPr marL="0" indent="0" algn="l">
               <a:buNone/>
             </a:pPr>
             <a:r>
@@ -5809,7 +5663,7 @@
             <a:endParaRPr lang="en-US" sz="1600" dirty="0"/>
           </a:p>
           <a:p>
-            <a:pPr algn="l" indent="0" marL="0">
+            <a:pPr marL="0" indent="0" algn="l">
               <a:buNone/>
             </a:pPr>
             <a:r>
@@ -5826,7 +5680,7 @@
             <a:endParaRPr lang="en-US" sz="1600" dirty="0"/>
           </a:p>
           <a:p>
-            <a:pPr algn="l" indent="0" marL="0">
+            <a:pPr marL="0" indent="0" algn="l">
               <a:buNone/>
             </a:pPr>
             <a:r>
@@ -5843,7 +5697,7 @@
             <a:endParaRPr lang="en-US" sz="1600" dirty="0"/>
           </a:p>
           <a:p>
-            <a:pPr algn="l" indent="0" marL="0">
+            <a:pPr marL="0" indent="0" algn="l">
               <a:buNone/>
             </a:pPr>
             <a:r>
@@ -5860,7 +5714,7 @@
             <a:endParaRPr lang="en-US" sz="1600" dirty="0"/>
           </a:p>
           <a:p>
-            <a:pPr algn="l" indent="0" marL="0">
+            <a:pPr marL="0" indent="0" algn="l">
               <a:buNone/>
             </a:pPr>
             <a:r>
@@ -5877,7 +5731,7 @@
             <a:endParaRPr lang="en-US" sz="1600" dirty="0"/>
           </a:p>
           <a:p>
-            <a:pPr algn="l" indent="0" marL="0">
+            <a:pPr marL="0" indent="0" algn="l">
               <a:buNone/>
             </a:pPr>
             <a:r>
@@ -5894,7 +5748,7 @@
             <a:endParaRPr lang="en-US" sz="1600" dirty="0"/>
           </a:p>
           <a:p>
-            <a:pPr algn="l" indent="0" marL="0">
+            <a:pPr marL="0" indent="0" algn="l">
               <a:buNone/>
             </a:pPr>
             <a:r>
@@ -5911,7 +5765,7 @@
             <a:endParaRPr lang="en-US" sz="1600" dirty="0"/>
           </a:p>
           <a:p>
-            <a:pPr algn="l" indent="0" marL="0">
+            <a:pPr marL="0" indent="0" algn="l">
               <a:buNone/>
             </a:pPr>
             <a:r>
@@ -5928,7 +5782,7 @@
             <a:endParaRPr lang="en-US" sz="1600" dirty="0"/>
           </a:p>
           <a:p>
-            <a:pPr algn="l" indent="0" marL="0">
+            <a:pPr marL="0" indent="0" algn="l">
               <a:buNone/>
             </a:pPr>
             <a:r>
@@ -5945,7 +5799,7 @@
             <a:endParaRPr lang="en-US" sz="1600" dirty="0"/>
           </a:p>
           <a:p>
-            <a:pPr algn="l" indent="0" marL="0">
+            <a:pPr marL="0" indent="0" algn="l">
               <a:buNone/>
             </a:pPr>
             <a:r>
@@ -5966,9 +5820,11 @@
       <p:sp>
         <p:nvSpPr>
           <p:cNvPr id="4" name="Text 2"/>
-          <p:cNvSpPr/>
-          <p:nvPr>
-            <p:ph idx="106" type="body" hasCustomPrompt="1"/>
+          <p:cNvSpPr>
+            <a:spLocks noGrp="1"/>
+          </p:cNvSpPr>
+          <p:nvPr>
+            <p:ph type="body" idx="106" hasCustomPrompt="1"/>
           </p:nvPr>
         </p:nvSpPr>
         <p:spPr>
@@ -5986,7 +5842,7 @@
           <a:bodyPr wrap="square" rtlCol="0" anchor="ctr"/>
           <a:lstStyle/>
           <a:p>
-            <a:pPr algn="ctr" indent="0" marL="0">
+            <a:pPr marL="0" indent="0" algn="ctr">
               <a:buNone/>
             </a:pPr>
             <a:r>
@@ -6007,9 +5863,11 @@
       <p:sp>
         <p:nvSpPr>
           <p:cNvPr id="5" name="Text 1"/>
-          <p:cNvSpPr/>
-          <p:nvPr>
-            <p:ph idx="103" type="body" hasCustomPrompt="1"/>
+          <p:cNvSpPr>
+            <a:spLocks noGrp="1"/>
+          </p:cNvSpPr>
+          <p:nvPr>
+            <p:ph type="body" idx="103" hasCustomPrompt="1"/>
           </p:nvPr>
         </p:nvSpPr>
         <p:spPr>
@@ -6027,7 +5885,7 @@
           <a:bodyPr wrap="square" lIns="2540" tIns="2540" rIns="2540" bIns="2540" rtlCol="0" anchor="t"/>
           <a:lstStyle/>
           <a:p>
-            <a:pPr algn="l" indent="0" marL="0">
+            <a:pPr marL="0" indent="0" algn="l">
               <a:buNone/>
             </a:pPr>
             <a:endParaRPr lang="en-US" sz="1600" dirty="0"/>
@@ -6037,9 +5895,11 @@
       <p:sp>
         <p:nvSpPr>
           <p:cNvPr id="6" name="Text 1"/>
-          <p:cNvSpPr/>
-          <p:nvPr>
-            <p:ph idx="104" type="body" hasCustomPrompt="1"/>
+          <p:cNvSpPr>
+            <a:spLocks noGrp="1"/>
+          </p:cNvSpPr>
+          <p:nvPr>
+            <p:ph type="body" idx="104" hasCustomPrompt="1"/>
           </p:nvPr>
         </p:nvSpPr>
         <p:spPr>
@@ -6057,7 +5917,7 @@
           <a:bodyPr wrap="square" rtlCol="0" anchor="t"/>
           <a:lstStyle/>
           <a:p>
-            <a:pPr algn="l" indent="0" marL="0">
+            <a:pPr marL="0" indent="0" algn="l">
               <a:buNone/>
             </a:pPr>
             <a:endParaRPr lang="en-US" sz="1600" dirty="0"/>
@@ -6078,7 +5938,7 @@
     <p:bg>
       <p:bgPr>
         <a:blipFill dpi="0" rotWithShape="1">
-          <a:blip r:embed="rId1">
+          <a:blip r:embed="rId3">
             <a:lum/>
           </a:blip>
           <a:srcRect/>
@@ -6106,9 +5966,11 @@
       <p:sp>
         <p:nvSpPr>
           <p:cNvPr id="2" name="Text 1"/>
-          <p:cNvSpPr/>
-          <p:nvPr>
-            <p:ph idx="101" type="title" hasCustomPrompt="1"/>
+          <p:cNvSpPr>
+            <a:spLocks noGrp="1"/>
+          </p:cNvSpPr>
+          <p:nvPr>
+            <p:ph type="title" idx="101" hasCustomPrompt="1"/>
           </p:nvPr>
         </p:nvSpPr>
         <p:spPr>
@@ -6126,7 +5988,7 @@
           <a:bodyPr wrap="square" rtlCol="0" anchor="ctr"/>
           <a:lstStyle/>
           <a:p>
-            <a:pPr algn="l" indent="0" marL="0">
+            <a:pPr marL="0" indent="0" algn="l">
               <a:buNone/>
             </a:pPr>
             <a:r>
@@ -6147,9 +6009,11 @@
       <p:sp>
         <p:nvSpPr>
           <p:cNvPr id="3" name="Text 1"/>
-          <p:cNvSpPr/>
-          <p:nvPr>
-            <p:ph idx="102" type="body" hasCustomPrompt="1"/>
+          <p:cNvSpPr>
+            <a:spLocks noGrp="1"/>
+          </p:cNvSpPr>
+          <p:nvPr>
+            <p:ph type="body" idx="102" hasCustomPrompt="1"/>
           </p:nvPr>
         </p:nvSpPr>
         <p:spPr>
@@ -6167,7 +6031,7 @@
           <a:bodyPr wrap="square" rtlCol="0" anchor="ctr"/>
           <a:lstStyle/>
           <a:p>
-            <a:pPr algn="l" indent="0" marL="0">
+            <a:pPr marL="0" indent="0" algn="l">
               <a:buNone/>
             </a:pPr>
             <a:r>
@@ -6190,9 +6054,11 @@
       <p:sp>
         <p:nvSpPr>
           <p:cNvPr id="4" name="Text 1"/>
-          <p:cNvSpPr/>
-          <p:nvPr>
-            <p:ph idx="103" type="body" hasCustomPrompt="1"/>
+          <p:cNvSpPr>
+            <a:spLocks noGrp="1"/>
+          </p:cNvSpPr>
+          <p:nvPr>
+            <p:ph type="body" idx="103" hasCustomPrompt="1"/>
           </p:nvPr>
         </p:nvSpPr>
         <p:spPr>
@@ -6210,7 +6076,7 @@
           <a:bodyPr wrap="square" rtlCol="0" anchor="t"/>
           <a:lstStyle/>
           <a:p>
-            <a:pPr algn="l" indent="0" marL="0">
+            <a:pPr marL="0" indent="0" algn="l">
               <a:buNone/>
             </a:pPr>
             <a:r>
@@ -6231,9 +6097,11 @@
       <p:sp>
         <p:nvSpPr>
           <p:cNvPr id="5" name="Text 2"/>
-          <p:cNvSpPr/>
-          <p:nvPr>
-            <p:ph idx="105" type="body" hasCustomPrompt="1"/>
+          <p:cNvSpPr>
+            <a:spLocks noGrp="1"/>
+          </p:cNvSpPr>
+          <p:nvPr>
+            <p:ph type="body" idx="105" hasCustomPrompt="1"/>
           </p:nvPr>
         </p:nvSpPr>
         <p:spPr>
@@ -6251,7 +6119,7 @@
           <a:bodyPr wrap="square" rtlCol="0" anchor="ctr"/>
           <a:lstStyle/>
           <a:p>
-            <a:pPr algn="ctr" indent="0" marL="0">
+            <a:pPr marL="0" indent="0" algn="ctr">
               <a:buNone/>
             </a:pPr>
             <a:r>
@@ -6283,7 +6151,7 @@
     <p:bg>
       <p:bgPr>
         <a:blipFill dpi="0" rotWithShape="1">
-          <a:blip r:embed="rId1">
+          <a:blip r:embed="rId3">
             <a:lum/>
           </a:blip>
           <a:srcRect/>
@@ -6311,9 +6179,11 @@
       <p:sp>
         <p:nvSpPr>
           <p:cNvPr id="2" name="Text 1"/>
-          <p:cNvSpPr/>
-          <p:nvPr>
-            <p:ph idx="101" type="title" hasCustomPrompt="1"/>
+          <p:cNvSpPr>
+            <a:spLocks noGrp="1"/>
+          </p:cNvSpPr>
+          <p:nvPr>
+            <p:ph type="title" idx="101" hasCustomPrompt="1"/>
           </p:nvPr>
         </p:nvSpPr>
         <p:spPr>
@@ -6331,7 +6201,7 @@
           <a:bodyPr wrap="square" rtlCol="0" anchor="ctr"/>
           <a:lstStyle/>
           <a:p>
-            <a:pPr algn="l" indent="0" marL="0">
+            <a:pPr marL="0" indent="0" algn="l">
               <a:buNone/>
             </a:pPr>
             <a:r>
@@ -6352,9 +6222,11 @@
       <p:sp>
         <p:nvSpPr>
           <p:cNvPr id="3" name="Text 1"/>
-          <p:cNvSpPr/>
-          <p:nvPr>
-            <p:ph idx="102" type="body" hasCustomPrompt="1"/>
+          <p:cNvSpPr>
+            <a:spLocks noGrp="1"/>
+          </p:cNvSpPr>
+          <p:nvPr>
+            <p:ph type="body" idx="102" hasCustomPrompt="1"/>
           </p:nvPr>
         </p:nvSpPr>
         <p:spPr>
@@ -6372,7 +6244,7 @@
           <a:bodyPr wrap="square" rtlCol="0" anchor="ctr"/>
           <a:lstStyle/>
           <a:p>
-            <a:pPr algn="l" indent="0" marL="0">
+            <a:pPr marL="0" indent="0" algn="l">
               <a:buNone/>
             </a:pPr>
             <a:r>
@@ -6395,9 +6267,11 @@
       <p:sp>
         <p:nvSpPr>
           <p:cNvPr id="4" name="Text 1"/>
-          <p:cNvSpPr/>
-          <p:nvPr>
-            <p:ph idx="103" type="body" hasCustomPrompt="1"/>
+          <p:cNvSpPr>
+            <a:spLocks noGrp="1"/>
+          </p:cNvSpPr>
+          <p:nvPr>
+            <p:ph type="body" idx="103" hasCustomPrompt="1"/>
           </p:nvPr>
         </p:nvSpPr>
         <p:spPr>
@@ -6415,7 +6289,7 @@
           <a:bodyPr wrap="square" rtlCol="0" anchor="t"/>
           <a:lstStyle/>
           <a:p>
-            <a:pPr algn="l" indent="0" marL="0">
+            <a:pPr marL="0" indent="0" algn="l">
               <a:buNone/>
             </a:pPr>
             <a:r>
@@ -6436,9 +6310,11 @@
       <p:sp>
         <p:nvSpPr>
           <p:cNvPr id="5" name="Text 2"/>
-          <p:cNvSpPr/>
-          <p:nvPr>
-            <p:ph idx="105" type="body" hasCustomPrompt="1"/>
+          <p:cNvSpPr>
+            <a:spLocks noGrp="1"/>
+          </p:cNvSpPr>
+          <p:nvPr>
+            <p:ph type="body" idx="105" hasCustomPrompt="1"/>
           </p:nvPr>
         </p:nvSpPr>
         <p:spPr>
@@ -6456,7 +6332,7 @@
           <a:bodyPr wrap="square" rtlCol="0" anchor="ctr"/>
           <a:lstStyle/>
           <a:p>
-            <a:pPr algn="ctr" indent="0" marL="0">
+            <a:pPr marL="0" indent="0" algn="ctr">
               <a:buNone/>
             </a:pPr>
             <a:r>
@@ -6488,7 +6364,7 @@
     <p:bg>
       <p:bgPr>
         <a:blipFill dpi="0" rotWithShape="1">
-          <a:blip r:embed="rId1">
+          <a:blip r:embed="rId3">
             <a:lum/>
           </a:blip>
           <a:srcRect/>
@@ -6516,9 +6392,11 @@
       <p:sp>
         <p:nvSpPr>
           <p:cNvPr id="2" name="Text 1"/>
-          <p:cNvSpPr/>
-          <p:nvPr>
-            <p:ph idx="101" type="title" hasCustomPrompt="1"/>
+          <p:cNvSpPr>
+            <a:spLocks noGrp="1"/>
+          </p:cNvSpPr>
+          <p:nvPr>
+            <p:ph type="title" idx="101" hasCustomPrompt="1"/>
           </p:nvPr>
         </p:nvSpPr>
         <p:spPr>
@@ -6536,7 +6414,7 @@
           <a:bodyPr wrap="square" rtlCol="0" anchor="ctr"/>
           <a:lstStyle/>
           <a:p>
-            <a:pPr algn="l" indent="0" marL="0">
+            <a:pPr marL="0" indent="0" algn="l">
               <a:buNone/>
             </a:pPr>
             <a:r>
@@ -6557,9 +6435,11 @@
       <p:sp>
         <p:nvSpPr>
           <p:cNvPr id="3" name="Text 1"/>
-          <p:cNvSpPr/>
-          <p:nvPr>
-            <p:ph idx="102" type="body" hasCustomPrompt="1"/>
+          <p:cNvSpPr>
+            <a:spLocks noGrp="1"/>
+          </p:cNvSpPr>
+          <p:nvPr>
+            <p:ph type="body" idx="102" hasCustomPrompt="1"/>
           </p:nvPr>
         </p:nvSpPr>
         <p:spPr>
@@ -6577,7 +6457,7 @@
           <a:bodyPr wrap="square" rtlCol="0" anchor="t"/>
           <a:lstStyle/>
           <a:p>
-            <a:pPr algn="l" indent="0" marL="0">
+            <a:pPr marL="0" indent="0" algn="l">
               <a:buNone/>
             </a:pPr>
             <a:r>
@@ -6601,9 +6481,11 @@
       <p:sp>
         <p:nvSpPr>
           <p:cNvPr id="4" name="Text 2"/>
-          <p:cNvSpPr/>
-          <p:nvPr>
-            <p:ph idx="106" type="body" hasCustomPrompt="1"/>
+          <p:cNvSpPr>
+            <a:spLocks noGrp="1"/>
+          </p:cNvSpPr>
+          <p:nvPr>
+            <p:ph type="body" idx="106" hasCustomPrompt="1"/>
           </p:nvPr>
         </p:nvSpPr>
         <p:spPr>
@@ -6621,7 +6503,7 @@
           <a:bodyPr wrap="square" rtlCol="0" anchor="ctr"/>
           <a:lstStyle/>
           <a:p>
-            <a:pPr algn="ctr" indent="0" marL="0">
+            <a:pPr marL="0" indent="0" algn="ctr">
               <a:buNone/>
             </a:pPr>
             <a:r>
@@ -6642,9 +6524,11 @@
       <p:sp>
         <p:nvSpPr>
           <p:cNvPr id="5" name="Text 1"/>
-          <p:cNvSpPr/>
-          <p:nvPr>
-            <p:ph idx="103" type="body" hasCustomPrompt="1"/>
+          <p:cNvSpPr>
+            <a:spLocks noGrp="1"/>
+          </p:cNvSpPr>
+          <p:nvPr>
+            <p:ph type="body" idx="103" hasCustomPrompt="1"/>
           </p:nvPr>
         </p:nvSpPr>
         <p:spPr>
@@ -6662,7 +6546,7 @@
           <a:bodyPr wrap="square" lIns="2540" tIns="2540" rIns="2540" bIns="2540" rtlCol="0" anchor="t"/>
           <a:lstStyle/>
           <a:p>
-            <a:pPr algn="l" indent="0" marL="0">
+            <a:pPr marL="0" indent="0" algn="l">
               <a:buNone/>
             </a:pPr>
             <a:endParaRPr lang="en-US" sz="1600" dirty="0"/>
@@ -6672,9 +6556,11 @@
       <p:sp>
         <p:nvSpPr>
           <p:cNvPr id="6" name="Text 1"/>
-          <p:cNvSpPr/>
-          <p:nvPr>
-            <p:ph idx="104" type="body" hasCustomPrompt="1"/>
+          <p:cNvSpPr>
+            <a:spLocks noGrp="1"/>
+          </p:cNvSpPr>
+          <p:nvPr>
+            <p:ph type="body" idx="104" hasCustomPrompt="1"/>
           </p:nvPr>
         </p:nvSpPr>
         <p:spPr>
@@ -6692,7 +6578,7 @@
           <a:bodyPr wrap="square" rtlCol="0" anchor="t"/>
           <a:lstStyle/>
           <a:p>
-            <a:pPr algn="l" indent="0" marL="0">
+            <a:pPr marL="0" indent="0" algn="l">
               <a:buNone/>
             </a:pPr>
             <a:endParaRPr lang="en-US" sz="1600" dirty="0"/>
@@ -6713,7 +6599,7 @@
     <p:bg>
       <p:bgPr>
         <a:blipFill dpi="0" rotWithShape="1">
-          <a:blip r:embed="rId1">
+          <a:blip r:embed="rId3">
             <a:lum/>
           </a:blip>
           <a:srcRect/>
@@ -6741,9 +6627,11 @@
       <p:sp>
         <p:nvSpPr>
           <p:cNvPr id="2" name="Text 1"/>
-          <p:cNvSpPr/>
-          <p:nvPr>
-            <p:ph idx="101" type="title" hasCustomPrompt="1"/>
+          <p:cNvSpPr>
+            <a:spLocks noGrp="1"/>
+          </p:cNvSpPr>
+          <p:nvPr>
+            <p:ph type="title" idx="101" hasCustomPrompt="1"/>
           </p:nvPr>
         </p:nvSpPr>
         <p:spPr>
@@ -6763,7 +6651,7 @@
           </a:bodyPr>
           <a:lstStyle/>
           <a:p>
-            <a:pPr algn="l" indent="0" marL="0">
+            <a:pPr marL="0" indent="0" algn="l">
               <a:buNone/>
             </a:pPr>
             <a:r>
@@ -6784,9 +6672,11 @@
       <p:sp>
         <p:nvSpPr>
           <p:cNvPr id="3" name="Text 1"/>
-          <p:cNvSpPr/>
-          <p:nvPr>
-            <p:ph idx="102" type="body" hasCustomPrompt="1"/>
+          <p:cNvSpPr>
+            <a:spLocks noGrp="1"/>
+          </p:cNvSpPr>
+          <p:nvPr>
+            <p:ph type="body" idx="102" hasCustomPrompt="1"/>
           </p:nvPr>
         </p:nvSpPr>
         <p:spPr>
@@ -6804,7 +6694,7 @@
           <a:bodyPr wrap="square" rtlCol="0" anchor="t"/>
           <a:lstStyle/>
           <a:p>
-            <a:pPr algn="l" indent="0" marL="0">
+            <a:pPr marL="0" indent="0" algn="l">
               <a:buNone/>
             </a:pPr>
             <a:r>
@@ -6825,9 +6715,11 @@
       <p:sp>
         <p:nvSpPr>
           <p:cNvPr id="4" name="Text 2"/>
-          <p:cNvSpPr/>
-          <p:nvPr>
-            <p:ph idx="104" type="body" hasCustomPrompt="1"/>
+          <p:cNvSpPr>
+            <a:spLocks noGrp="1"/>
+          </p:cNvSpPr>
+          <p:nvPr>
+            <p:ph type="body" idx="104" hasCustomPrompt="1"/>
           </p:nvPr>
         </p:nvSpPr>
         <p:spPr>
@@ -6845,7 +6737,7 @@
           <a:bodyPr wrap="square" rtlCol="0" anchor="ctr"/>
           <a:lstStyle/>
           <a:p>
-            <a:pPr algn="ctr" indent="0" marL="0">
+            <a:pPr marL="0" indent="0" algn="ctr">
               <a:buNone/>
             </a:pPr>
             <a:r>
@@ -6877,7 +6769,7 @@
     <p:bg>
       <p:bgPr>
         <a:blipFill dpi="0" rotWithShape="1">
-          <a:blip r:embed="rId1">
+          <a:blip r:embed="rId3">
             <a:lum/>
           </a:blip>
           <a:srcRect/>
@@ -6905,9 +6797,11 @@
       <p:sp>
         <p:nvSpPr>
           <p:cNvPr id="2" name="Text 1"/>
-          <p:cNvSpPr/>
-          <p:nvPr>
-            <p:ph idx="101" type="title" hasCustomPrompt="1"/>
+          <p:cNvSpPr>
+            <a:spLocks noGrp="1"/>
+          </p:cNvSpPr>
+          <p:nvPr>
+            <p:ph type="title" idx="101" hasCustomPrompt="1"/>
           </p:nvPr>
         </p:nvSpPr>
         <p:spPr>
@@ -6927,7 +6821,7 @@
           </a:bodyPr>
           <a:lstStyle/>
           <a:p>
-            <a:pPr algn="l" indent="0" marL="0">
+            <a:pPr marL="0" indent="0" algn="l">
               <a:buNone/>
             </a:pPr>
             <a:r>
@@ -6948,9 +6842,11 @@
       <p:sp>
         <p:nvSpPr>
           <p:cNvPr id="3" name="Text 1"/>
-          <p:cNvSpPr/>
-          <p:nvPr>
-            <p:ph idx="102" type="body" hasCustomPrompt="1"/>
+          <p:cNvSpPr>
+            <a:spLocks noGrp="1"/>
+          </p:cNvSpPr>
+          <p:nvPr>
+            <p:ph type="body" idx="102" hasCustomPrompt="1"/>
           </p:nvPr>
         </p:nvSpPr>
         <p:spPr>
@@ -6968,7 +6864,7 @@
           <a:bodyPr wrap="square" rtlCol="0" anchor="t"/>
           <a:lstStyle/>
           <a:p>
-            <a:pPr algn="l" indent="0" marL="0">
+            <a:pPr marL="0" indent="0" algn="l">
               <a:buNone/>
             </a:pPr>
             <a:r>
@@ -6989,9 +6885,11 @@
       <p:sp>
         <p:nvSpPr>
           <p:cNvPr id="4" name="Text 2"/>
-          <p:cNvSpPr/>
-          <p:nvPr>
-            <p:ph idx="104" type="body" hasCustomPrompt="1"/>
+          <p:cNvSpPr>
+            <a:spLocks noGrp="1"/>
+          </p:cNvSpPr>
+          <p:nvPr>
+            <p:ph type="body" idx="104" hasCustomPrompt="1"/>
           </p:nvPr>
         </p:nvSpPr>
         <p:spPr>
@@ -7009,7 +6907,7 @@
           <a:bodyPr wrap="square" rtlCol="0" anchor="ctr"/>
           <a:lstStyle/>
           <a:p>
-            <a:pPr algn="ctr" indent="0" marL="0">
+            <a:pPr marL="0" indent="0" algn="ctr">
               <a:buNone/>
             </a:pPr>
             <a:r>
@@ -7041,7 +6939,7 @@
     <p:bg>
       <p:bgPr>
         <a:blipFill dpi="0" rotWithShape="1">
-          <a:blip r:embed="rId1">
+          <a:blip r:embed="rId3">
             <a:lum/>
           </a:blip>
           <a:srcRect/>
@@ -7069,9 +6967,11 @@
       <p:sp>
         <p:nvSpPr>
           <p:cNvPr id="2" name="Text 1"/>
-          <p:cNvSpPr/>
-          <p:nvPr>
-            <p:ph idx="101" type="title" hasCustomPrompt="1"/>
+          <p:cNvSpPr>
+            <a:spLocks noGrp="1"/>
+          </p:cNvSpPr>
+          <p:nvPr>
+            <p:ph type="title" idx="101" hasCustomPrompt="1"/>
           </p:nvPr>
         </p:nvSpPr>
         <p:spPr>
@@ -7089,7 +6989,7 @@
           <a:bodyPr wrap="square" rtlCol="0" anchor="ctr"/>
           <a:lstStyle/>
           <a:p>
-            <a:pPr algn="l" indent="0" marL="0">
+            <a:pPr marL="0" indent="0" algn="l">
               <a:buNone/>
             </a:pPr>
             <a:r>
@@ -7101,7 +7001,18 @@
                 <a:ea typeface="Book Antiqua" pitchFamily="34" charset="-122"/>
                 <a:cs typeface="Book Antiqua" pitchFamily="34" charset="-120"/>
               </a:rPr>
-              <a:t>Introduction to AI Flavoured</a:t>
+              <a:t>Introduction to AI </a:t>
+            </a:r>
+            <a:r>
+              <a:rPr lang="en-US" sz="2800" b="1" dirty="0" err="1">
+                <a:solidFill>
+                  <a:srgbClr val="090909"/>
+                </a:solidFill>
+                <a:latin typeface="Book Antiqua" pitchFamily="34" charset="0"/>
+                <a:ea typeface="Book Antiqua" pitchFamily="34" charset="-122"/>
+                <a:cs typeface="Book Antiqua" pitchFamily="34" charset="-120"/>
+              </a:rPr>
+              <a:t>Flavoured</a:t>
             </a:r>
             <a:endParaRPr lang="en-US" sz="2800" dirty="0"/>
           </a:p>
@@ -7110,9 +7021,11 @@
       <p:sp>
         <p:nvSpPr>
           <p:cNvPr id="3" name="Text 1"/>
-          <p:cNvSpPr/>
-          <p:nvPr>
-            <p:ph idx="102" type="body" hasCustomPrompt="1"/>
+          <p:cNvSpPr>
+            <a:spLocks noGrp="1"/>
+          </p:cNvSpPr>
+          <p:nvPr>
+            <p:ph type="body" idx="102" hasCustomPrompt="1"/>
           </p:nvPr>
         </p:nvSpPr>
         <p:spPr>
@@ -7130,7 +7043,7 @@
           <a:bodyPr wrap="square" rtlCol="0" anchor="t"/>
           <a:lstStyle/>
           <a:p>
-            <a:pPr algn="l" indent="0" marL="0">
+            <a:pPr marL="0" indent="0" algn="l">
               <a:buNone/>
             </a:pPr>
             <a:r>
@@ -7154,9 +7067,11 @@
       <p:sp>
         <p:nvSpPr>
           <p:cNvPr id="4" name="Text 2"/>
-          <p:cNvSpPr/>
-          <p:nvPr>
-            <p:ph idx="106" type="body" hasCustomPrompt="1"/>
+          <p:cNvSpPr>
+            <a:spLocks noGrp="1"/>
+          </p:cNvSpPr>
+          <p:nvPr>
+            <p:ph type="body" idx="106" hasCustomPrompt="1"/>
           </p:nvPr>
         </p:nvSpPr>
         <p:spPr>
@@ -7174,7 +7089,7 @@
           <a:bodyPr wrap="square" rtlCol="0" anchor="ctr"/>
           <a:lstStyle/>
           <a:p>
-            <a:pPr algn="ctr" indent="0" marL="0">
+            <a:pPr marL="0" indent="0" algn="ctr">
               <a:buNone/>
             </a:pPr>
             <a:r>
@@ -7195,9 +7110,11 @@
       <p:sp>
         <p:nvSpPr>
           <p:cNvPr id="5" name="Text 1"/>
-          <p:cNvSpPr/>
-          <p:nvPr>
-            <p:ph idx="103" type="body" hasCustomPrompt="1"/>
+          <p:cNvSpPr>
+            <a:spLocks noGrp="1"/>
+          </p:cNvSpPr>
+          <p:nvPr>
+            <p:ph type="body" idx="103" hasCustomPrompt="1"/>
           </p:nvPr>
         </p:nvSpPr>
         <p:spPr>
@@ -7215,7 +7132,7 @@
           <a:bodyPr wrap="square" lIns="2540" tIns="2540" rIns="2540" bIns="2540" rtlCol="0" anchor="t"/>
           <a:lstStyle/>
           <a:p>
-            <a:pPr algn="l" indent="0" marL="0">
+            <a:pPr marL="0" indent="0" algn="l">
               <a:buNone/>
             </a:pPr>
             <a:endParaRPr lang="en-US" sz="1600" dirty="0"/>
@@ -7225,9 +7142,11 @@
       <p:sp>
         <p:nvSpPr>
           <p:cNvPr id="6" name="Text 1"/>
-          <p:cNvSpPr/>
-          <p:nvPr>
-            <p:ph idx="104" type="body" hasCustomPrompt="1"/>
+          <p:cNvSpPr>
+            <a:spLocks noGrp="1"/>
+          </p:cNvSpPr>
+          <p:nvPr>
+            <p:ph type="body" idx="104" hasCustomPrompt="1"/>
           </p:nvPr>
         </p:nvSpPr>
         <p:spPr>
@@ -7245,7 +7164,7 @@
           <a:bodyPr wrap="square" rtlCol="0" anchor="t"/>
           <a:lstStyle/>
           <a:p>
-            <a:pPr algn="l" indent="0" marL="0">
+            <a:pPr marL="0" indent="0" algn="l">
               <a:buNone/>
             </a:pPr>
             <a:endParaRPr lang="en-US" sz="1600" dirty="0"/>
@@ -7266,7 +7185,7 @@
     <p:bg>
       <p:bgPr>
         <a:blipFill dpi="0" rotWithShape="1">
-          <a:blip r:embed="rId1">
+          <a:blip r:embed="rId3">
             <a:lum/>
           </a:blip>
           <a:srcRect/>
@@ -7294,9 +7213,11 @@
       <p:sp>
         <p:nvSpPr>
           <p:cNvPr id="2" name="Text 1"/>
-          <p:cNvSpPr/>
-          <p:nvPr>
-            <p:ph idx="101" type="title" hasCustomPrompt="1"/>
+          <p:cNvSpPr>
+            <a:spLocks noGrp="1"/>
+          </p:cNvSpPr>
+          <p:nvPr>
+            <p:ph type="title" idx="101" hasCustomPrompt="1"/>
           </p:nvPr>
         </p:nvSpPr>
         <p:spPr>
@@ -7314,7 +7235,7 @@
           <a:bodyPr wrap="square" rtlCol="0" anchor="ctr"/>
           <a:lstStyle/>
           <a:p>
-            <a:pPr algn="r" indent="0" marL="0">
+            <a:pPr marL="0" indent="0" algn="r">
               <a:buNone/>
             </a:pPr>
             <a:r>
@@ -7335,9 +7256,11 @@
       <p:sp>
         <p:nvSpPr>
           <p:cNvPr id="3" name="Text 1"/>
-          <p:cNvSpPr/>
-          <p:nvPr>
-            <p:ph idx="102" type="body" hasCustomPrompt="1"/>
+          <p:cNvSpPr>
+            <a:spLocks noGrp="1"/>
+          </p:cNvSpPr>
+          <p:nvPr>
+            <p:ph type="body" idx="102" hasCustomPrompt="1"/>
           </p:nvPr>
         </p:nvSpPr>
         <p:spPr>
@@ -7355,7 +7278,7 @@
           <a:bodyPr wrap="square" rtlCol="0" anchor="t"/>
           <a:lstStyle/>
           <a:p>
-            <a:pPr algn="ctr" indent="0" marL="0">
+            <a:pPr marL="0" indent="0" algn="ctr">
               <a:buNone/>
             </a:pPr>
             <a:r>
@@ -7376,9 +7299,11 @@
       <p:sp>
         <p:nvSpPr>
           <p:cNvPr id="4" name="Text 2"/>
-          <p:cNvSpPr/>
-          <p:nvPr>
-            <p:ph idx="104" type="body" hasCustomPrompt="1"/>
+          <p:cNvSpPr>
+            <a:spLocks noGrp="1"/>
+          </p:cNvSpPr>
+          <p:nvPr>
+            <p:ph type="body" idx="104" hasCustomPrompt="1"/>
           </p:nvPr>
         </p:nvSpPr>
         <p:spPr>
@@ -7396,7 +7321,7 @@
           <a:bodyPr wrap="square" rtlCol="0" anchor="ctr"/>
           <a:lstStyle/>
           <a:p>
-            <a:pPr algn="ctr" indent="0" marL="0">
+            <a:pPr marL="0" indent="0" algn="ctr">
               <a:buNone/>
             </a:pPr>
             <a:r>
@@ -7428,7 +7353,7 @@
     <p:bg>
       <p:bgPr>
         <a:blipFill dpi="0" rotWithShape="1">
-          <a:blip r:embed="rId1">
+          <a:blip r:embed="rId3">
             <a:lum/>
           </a:blip>
           <a:srcRect/>
@@ -7456,9 +7381,11 @@
       <p:sp>
         <p:nvSpPr>
           <p:cNvPr id="2" name="Text 1"/>
-          <p:cNvSpPr/>
-          <p:nvPr>
-            <p:ph idx="101" type="title" hasCustomPrompt="1"/>
+          <p:cNvSpPr>
+            <a:spLocks noGrp="1"/>
+          </p:cNvSpPr>
+          <p:nvPr>
+            <p:ph type="title" idx="101" hasCustomPrompt="1"/>
           </p:nvPr>
         </p:nvSpPr>
         <p:spPr>
@@ -7476,7 +7403,7 @@
           <a:bodyPr wrap="square" rtlCol="0" anchor="ctr"/>
           <a:lstStyle/>
           <a:p>
-            <a:pPr algn="l" indent="0" marL="0">
+            <a:pPr marL="0" indent="0" algn="l">
               <a:buNone/>
             </a:pPr>
             <a:r>
@@ -7497,15 +7424,17 @@
       <p:sp>
         <p:nvSpPr>
           <p:cNvPr id="3" name="Text 1"/>
-          <p:cNvSpPr/>
-          <p:nvPr>
-            <p:ph idx="102" type="body" hasCustomPrompt="1"/>
-          </p:nvPr>
-        </p:nvSpPr>
-        <p:spPr>
-          <a:xfrm>
-            <a:off x="457200" y="457200"/>
-            <a:ext cx="4572000" cy="5943600"/>
+          <p:cNvSpPr>
+            <a:spLocks noGrp="1"/>
+          </p:cNvSpPr>
+          <p:nvPr>
+            <p:ph type="body" idx="102" hasCustomPrompt="1"/>
+          </p:nvPr>
+        </p:nvSpPr>
+        <p:spPr>
+          <a:xfrm>
+            <a:off x="810490" y="914400"/>
+            <a:ext cx="4218709" cy="5486400"/>
           </a:xfrm>
           <a:prstGeom prst="rect">
             <a:avLst/>
@@ -7517,7 +7446,7 @@
           <a:bodyPr wrap="square" rtlCol="0" anchor="t"/>
           <a:lstStyle/>
           <a:p>
-            <a:pPr algn="l" indent="0" marL="0">
+            <a:pPr marL="0" indent="0" algn="l">
               <a:buNone/>
             </a:pPr>
             <a:r>
@@ -7534,7 +7463,7 @@
             <a:endParaRPr lang="en-US" sz="1600" dirty="0"/>
           </a:p>
           <a:p>
-            <a:pPr algn="l" indent="0" marL="0">
+            <a:pPr marL="0" indent="0" algn="l">
               <a:buNone/>
             </a:pPr>
             <a:r>
@@ -7551,7 +7480,7 @@
             <a:endParaRPr lang="en-US" sz="1600" dirty="0"/>
           </a:p>
           <a:p>
-            <a:pPr algn="l" indent="0" marL="0">
+            <a:pPr marL="0" indent="0" algn="l">
               <a:buNone/>
             </a:pPr>
             <a:r>
@@ -7568,7 +7497,7 @@
             <a:endParaRPr lang="en-US" sz="1600" dirty="0"/>
           </a:p>
           <a:p>
-            <a:pPr algn="l" indent="0" marL="0">
+            <a:pPr marL="0" indent="0" algn="l">
               <a:buNone/>
             </a:pPr>
             <a:r>
@@ -7589,9 +7518,11 @@
       <p:sp>
         <p:nvSpPr>
           <p:cNvPr id="4" name="Text 1"/>
-          <p:cNvSpPr/>
-          <p:nvPr>
-            <p:ph idx="103" type="body" hasCustomPrompt="1"/>
+          <p:cNvSpPr>
+            <a:spLocks noGrp="1"/>
+          </p:cNvSpPr>
+          <p:nvPr>
+            <p:ph type="body" idx="103" hasCustomPrompt="1"/>
           </p:nvPr>
         </p:nvSpPr>
         <p:spPr>
@@ -7609,7 +7540,7 @@
           <a:bodyPr wrap="square" rtlCol="0" anchor="t"/>
           <a:lstStyle/>
           <a:p>
-            <a:pPr algn="l" indent="0" marL="0">
+            <a:pPr marL="0" indent="0" algn="l">
               <a:buNone/>
             </a:pPr>
             <a:r>
@@ -7626,7 +7557,7 @@
             <a:endParaRPr lang="en-US" sz="1600" dirty="0"/>
           </a:p>
           <a:p>
-            <a:pPr algn="l" indent="0" marL="0">
+            <a:pPr marL="0" indent="0" algn="l">
               <a:buNone/>
             </a:pPr>
             <a:r>
@@ -7643,7 +7574,7 @@
             <a:endParaRPr lang="en-US" sz="1600" dirty="0"/>
           </a:p>
           <a:p>
-            <a:pPr algn="l" indent="0" marL="0">
+            <a:pPr marL="0" indent="0" algn="l">
               <a:buNone/>
             </a:pPr>
             <a:r>
@@ -7660,7 +7591,7 @@
             <a:endParaRPr lang="en-US" sz="1600" dirty="0"/>
           </a:p>
           <a:p>
-            <a:pPr algn="l" indent="0" marL="0">
+            <a:pPr marL="0" indent="0" algn="l">
               <a:buNone/>
             </a:pPr>
             <a:r>
@@ -7681,9 +7612,11 @@
       <p:sp>
         <p:nvSpPr>
           <p:cNvPr id="5" name="Text 2"/>
-          <p:cNvSpPr/>
-          <p:nvPr>
-            <p:ph idx="105" type="body" hasCustomPrompt="1"/>
+          <p:cNvSpPr>
+            <a:spLocks noGrp="1"/>
+          </p:cNvSpPr>
+          <p:nvPr>
+            <p:ph type="body" idx="105" hasCustomPrompt="1"/>
           </p:nvPr>
         </p:nvSpPr>
         <p:spPr>
@@ -7701,7 +7634,7 @@
           <a:bodyPr wrap="square" rtlCol="0" anchor="ctr"/>
           <a:lstStyle/>
           <a:p>
-            <a:pPr algn="ctr" indent="0" marL="0">
+            <a:pPr marL="0" indent="0" algn="ctr">
               <a:buNone/>
             </a:pPr>
             <a:r>
@@ -7733,7 +7666,7 @@
     <p:bg>
       <p:bgPr>
         <a:blipFill dpi="0" rotWithShape="1">
-          <a:blip r:embed="rId1">
+          <a:blip r:embed="rId3">
             <a:lum/>
           </a:blip>
           <a:srcRect/>
@@ -7761,9 +7694,11 @@
       <p:sp>
         <p:nvSpPr>
           <p:cNvPr id="2" name="Text 1"/>
-          <p:cNvSpPr/>
-          <p:nvPr>
-            <p:ph idx="101" type="title" hasCustomPrompt="1"/>
+          <p:cNvSpPr>
+            <a:spLocks noGrp="1"/>
+          </p:cNvSpPr>
+          <p:nvPr>
+            <p:ph type="title" idx="101" hasCustomPrompt="1"/>
           </p:nvPr>
         </p:nvSpPr>
         <p:spPr>
@@ -7781,7 +7716,7 @@
           <a:bodyPr wrap="square" rtlCol="0" anchor="ctr"/>
           <a:lstStyle/>
           <a:p>
-            <a:pPr algn="ctr" indent="0" marL="0">
+            <a:pPr marL="0" indent="0" algn="ctr">
               <a:buNone/>
             </a:pPr>
             <a:r>
@@ -7802,9 +7737,11 @@
       <p:sp>
         <p:nvSpPr>
           <p:cNvPr id="3" name="Text 1"/>
-          <p:cNvSpPr/>
-          <p:nvPr>
-            <p:ph idx="102" type="body" hasCustomPrompt="1"/>
+          <p:cNvSpPr>
+            <a:spLocks noGrp="1"/>
+          </p:cNvSpPr>
+          <p:nvPr>
+            <p:ph type="body" idx="102" hasCustomPrompt="1"/>
           </p:nvPr>
         </p:nvSpPr>
         <p:spPr>
@@ -7822,7 +7759,7 @@
           <a:bodyPr wrap="square" rtlCol="0" anchor="ctr"/>
           <a:lstStyle/>
           <a:p>
-            <a:pPr algn="ctr" indent="0" marL="0">
+            <a:pPr marL="0" indent="0" algn="ctr">
               <a:buNone/>
             </a:pPr>
             <a:r>
@@ -7843,9 +7780,11 @@
       <p:sp>
         <p:nvSpPr>
           <p:cNvPr id="4" name="Text 1"/>
-          <p:cNvSpPr/>
-          <p:nvPr>
-            <p:ph idx="103" type="body" hasCustomPrompt="1"/>
+          <p:cNvSpPr>
+            <a:spLocks noGrp="1"/>
+          </p:cNvSpPr>
+          <p:nvPr>
+            <p:ph type="body" idx="103" hasCustomPrompt="1"/>
           </p:nvPr>
         </p:nvSpPr>
         <p:spPr>
@@ -7863,7 +7802,7 @@
           <a:bodyPr wrap="square" rtlCol="0" anchor="ctr"/>
           <a:lstStyle/>
           <a:p>
-            <a:pPr algn="ctr" indent="0" marL="0">
+            <a:pPr marL="0" indent="0" algn="ctr">
               <a:buNone/>
             </a:pPr>
             <a:r>
@@ -7884,9 +7823,11 @@
       <p:sp>
         <p:nvSpPr>
           <p:cNvPr id="5" name="Text 1"/>
-          <p:cNvSpPr/>
-          <p:nvPr>
-            <p:ph idx="104" type="body" hasCustomPrompt="1"/>
+          <p:cNvSpPr>
+            <a:spLocks noGrp="1"/>
+          </p:cNvSpPr>
+          <p:nvPr>
+            <p:ph type="body" idx="104" hasCustomPrompt="1"/>
           </p:nvPr>
         </p:nvSpPr>
         <p:spPr>
@@ -7904,7 +7845,7 @@
           <a:bodyPr wrap="square" rtlCol="0" anchor="t"/>
           <a:lstStyle/>
           <a:p>
-            <a:pPr algn="l" indent="0" marL="0">
+            <a:pPr marL="0" indent="0" algn="l">
               <a:buNone/>
             </a:pPr>
             <a:r>
@@ -7921,7 +7862,7 @@
             <a:endParaRPr lang="en-US" sz="1800" dirty="0"/>
           </a:p>
           <a:p>
-            <a:pPr algn="l" indent="0" marL="0">
+            <a:pPr marL="0" indent="0" algn="l">
               <a:buNone/>
             </a:pPr>
             <a:r>
@@ -7938,7 +7879,7 @@
             <a:endParaRPr lang="en-US" sz="1800" dirty="0"/>
           </a:p>
           <a:p>
-            <a:pPr algn="l" indent="0" marL="0">
+            <a:pPr marL="0" indent="0" algn="l">
               <a:buNone/>
             </a:pPr>
             <a:r>
@@ -7955,7 +7896,7 @@
             <a:endParaRPr lang="en-US" sz="1800" dirty="0"/>
           </a:p>
           <a:p>
-            <a:pPr algn="l" indent="0" marL="0">
+            <a:pPr marL="0" indent="0" algn="l">
               <a:buNone/>
             </a:pPr>
             <a:r>
@@ -7976,9 +7917,11 @@
       <p:sp>
         <p:nvSpPr>
           <p:cNvPr id="6" name="Text 1"/>
-          <p:cNvSpPr/>
-          <p:nvPr>
-            <p:ph idx="105" type="body" hasCustomPrompt="1"/>
+          <p:cNvSpPr>
+            <a:spLocks noGrp="1"/>
+          </p:cNvSpPr>
+          <p:nvPr>
+            <p:ph type="body" idx="105" hasCustomPrompt="1"/>
           </p:nvPr>
         </p:nvSpPr>
         <p:spPr>
@@ -7996,7 +7939,7 @@
           <a:bodyPr wrap="square" rtlCol="0" anchor="t"/>
           <a:lstStyle/>
           <a:p>
-            <a:pPr algn="l" indent="0" marL="0">
+            <a:pPr marL="0" indent="0" algn="l">
               <a:buNone/>
             </a:pPr>
             <a:r>
@@ -8013,7 +7956,7 @@
             <a:endParaRPr lang="en-US" sz="1800" dirty="0"/>
           </a:p>
           <a:p>
-            <a:pPr algn="l" indent="0" marL="0">
+            <a:pPr marL="0" indent="0" algn="l">
               <a:buNone/>
             </a:pPr>
             <a:r>
@@ -8030,7 +7973,7 @@
             <a:endParaRPr lang="en-US" sz="1800" dirty="0"/>
           </a:p>
           <a:p>
-            <a:pPr algn="l" indent="0" marL="0">
+            <a:pPr marL="0" indent="0" algn="l">
               <a:buNone/>
             </a:pPr>
             <a:r>
@@ -8047,7 +7990,7 @@
             <a:endParaRPr lang="en-US" sz="1800" dirty="0"/>
           </a:p>
           <a:p>
-            <a:pPr algn="l" indent="0" marL="0">
+            <a:pPr marL="0" indent="0" algn="l">
               <a:buNone/>
             </a:pPr>
             <a:r>
@@ -8068,9 +8011,11 @@
       <p:sp>
         <p:nvSpPr>
           <p:cNvPr id="7" name="Text 2"/>
-          <p:cNvSpPr/>
-          <p:nvPr>
-            <p:ph idx="107" type="body" hasCustomPrompt="1"/>
+          <p:cNvSpPr>
+            <a:spLocks noGrp="1"/>
+          </p:cNvSpPr>
+          <p:nvPr>
+            <p:ph type="body" idx="107" hasCustomPrompt="1"/>
           </p:nvPr>
         </p:nvSpPr>
         <p:spPr>
@@ -8088,7 +8033,7 @@
           <a:bodyPr wrap="square" rtlCol="0" anchor="ctr"/>
           <a:lstStyle/>
           <a:p>
-            <a:pPr algn="ctr" indent="0" marL="0">
+            <a:pPr marL="0" indent="0" algn="ctr">
               <a:buNone/>
             </a:pPr>
             <a:r>
@@ -8120,7 +8065,7 @@
     <p:bg>
       <p:bgPr>
         <a:blipFill dpi="0" rotWithShape="1">
-          <a:blip r:embed="rId1">
+          <a:blip r:embed="rId3">
             <a:lum/>
           </a:blip>
           <a:srcRect/>
@@ -8147,16 +8092,18 @@
       </p:grpSpPr>
       <p:sp>
         <p:nvSpPr>
-          <p:cNvPr id="2" name="Text 1"/>
-          <p:cNvSpPr/>
-          <p:nvPr>
-            <p:ph idx="101" type="title" hasCustomPrompt="1"/>
-          </p:nvPr>
-        </p:nvSpPr>
-        <p:spPr>
-          <a:xfrm>
-            <a:off x="914400" y="438912"/>
-            <a:ext cx="10360152" cy="1078992"/>
+          <p:cNvPr id="3" name="Text 1"/>
+          <p:cNvSpPr>
+            <a:spLocks noGrp="1"/>
+          </p:cNvSpPr>
+          <p:nvPr>
+            <p:ph type="body" idx="102" hasCustomPrompt="1"/>
+          </p:nvPr>
+        </p:nvSpPr>
+        <p:spPr>
+          <a:xfrm>
+            <a:off x="630936" y="5303520"/>
+            <a:ext cx="3319272" cy="914400"/>
           </a:xfrm>
           <a:prstGeom prst="rect">
             <a:avLst/>
@@ -8168,35 +8115,37 @@
           <a:bodyPr wrap="square" rtlCol="0" anchor="ctr"/>
           <a:lstStyle/>
           <a:p>
-            <a:pPr algn="ctr" indent="0" marL="0">
-              <a:buNone/>
-            </a:pPr>
-            <a:r>
-              <a:rPr lang="en-US" sz="3600" b="1" dirty="0">
-                <a:solidFill>
-                  <a:srgbClr val="090909"/>
-                </a:solidFill>
-                <a:latin typeface="Book Antiqua" pitchFamily="34" charset="0"/>
-                <a:ea typeface="Book Antiqua" pitchFamily="34" charset="-122"/>
-                <a:cs typeface="Book Antiqua" pitchFamily="34" charset="-120"/>
-              </a:rPr>
-              <a:t>This is my First ai team</a:t>
-            </a:r>
-            <a:endParaRPr lang="en-US" sz="3600" dirty="0"/>
-          </a:p>
-        </p:txBody>
-      </p:sp>
-      <p:sp>
-        <p:nvSpPr>
-          <p:cNvPr id="3" name="Text 1"/>
-          <p:cNvSpPr/>
-          <p:nvPr>
-            <p:ph idx="102" type="body" hasCustomPrompt="1"/>
-          </p:nvPr>
-        </p:nvSpPr>
-        <p:spPr>
-          <a:xfrm>
-            <a:off x="630936" y="5303520"/>
+            <a:pPr marL="0" indent="0" algn="ctr">
+              <a:buNone/>
+            </a:pPr>
+            <a:r>
+              <a:rPr lang="en-US" sz="2000" dirty="0">
+                <a:solidFill>
+                  <a:srgbClr val="131212"/>
+                </a:solidFill>
+                <a:latin typeface="Book Antiqua" pitchFamily="34" charset="0"/>
+                <a:ea typeface="Book Antiqua" pitchFamily="34" charset="-122"/>
+                <a:cs typeface="Book Antiqua" pitchFamily="34" charset="-120"/>
+              </a:rPr>
+              <a:t>Yori Tron </a:t>
+            </a:r>
+            <a:endParaRPr lang="en-US" sz="2000" dirty="0"/>
+          </a:p>
+        </p:txBody>
+      </p:sp>
+      <p:sp>
+        <p:nvSpPr>
+          <p:cNvPr id="4" name="Text 1"/>
+          <p:cNvSpPr>
+            <a:spLocks noGrp="1"/>
+          </p:cNvSpPr>
+          <p:nvPr>
+            <p:ph type="body" idx="104" hasCustomPrompt="1"/>
+          </p:nvPr>
+        </p:nvSpPr>
+        <p:spPr>
+          <a:xfrm>
+            <a:off x="4398264" y="5303520"/>
             <a:ext cx="3319272" cy="914400"/>
           </a:xfrm>
           <a:prstGeom prst="rect">
@@ -8209,7 +8158,7 @@
           <a:bodyPr wrap="square" rtlCol="0" anchor="ctr"/>
           <a:lstStyle/>
           <a:p>
-            <a:pPr algn="ctr" indent="0" marL="0">
+            <a:pPr marL="0" indent="0" algn="ctr">
               <a:buNone/>
             </a:pPr>
             <a:r>
@@ -8221,7 +8170,7 @@
                 <a:ea typeface="Book Antiqua" pitchFamily="34" charset="-122"/>
                 <a:cs typeface="Book Antiqua" pitchFamily="34" charset="-120"/>
               </a:rPr>
-              <a:t>Sourav Sharma</a:t>
+              <a:t>Angel Alita</a:t>
             </a:r>
             <a:endParaRPr lang="en-US" sz="2000" dirty="0"/>
           </a:p>
@@ -8229,15 +8178,17 @@
       </p:sp>
       <p:sp>
         <p:nvSpPr>
-          <p:cNvPr id="4" name="Text 1"/>
-          <p:cNvSpPr/>
-          <p:nvPr>
-            <p:ph idx="104" type="body" hasCustomPrompt="1"/>
-          </p:nvPr>
-        </p:nvSpPr>
-        <p:spPr>
-          <a:xfrm>
-            <a:off x="4398264" y="5303520"/>
+          <p:cNvPr id="5" name="Text 1"/>
+          <p:cNvSpPr>
+            <a:spLocks noGrp="1"/>
+          </p:cNvSpPr>
+          <p:nvPr>
+            <p:ph type="body" idx="106" hasCustomPrompt="1"/>
+          </p:nvPr>
+        </p:nvSpPr>
+        <p:spPr>
+          <a:xfrm>
+            <a:off x="8092440" y="5303520"/>
             <a:ext cx="3319272" cy="914400"/>
           </a:xfrm>
           <a:prstGeom prst="rect">
@@ -8250,60 +8201,16 @@
           <a:bodyPr wrap="square" rtlCol="0" anchor="ctr"/>
           <a:lstStyle/>
           <a:p>
-            <a:pPr algn="ctr" indent="0" marL="0">
-              <a:buNone/>
-            </a:pPr>
-            <a:r>
-              <a:rPr lang="en-US" sz="2000" dirty="0">
+            <a:pPr marL="0" indent="0" algn="ctr">
+              <a:buNone/>
+            </a:pPr>
+            <a:r>
+              <a:rPr lang="en-US" dirty="0">
                 <a:solidFill>
                   <a:srgbClr val="131212"/>
                 </a:solidFill>
-                <a:latin typeface="Book Antiqua" pitchFamily="34" charset="0"/>
-                <a:ea typeface="Book Antiqua" pitchFamily="34" charset="-122"/>
-                <a:cs typeface="Book Antiqua" pitchFamily="34" charset="-120"/>
-              </a:rPr>
-              <a:t>Sourav Sharma</a:t>
-            </a:r>
-            <a:endParaRPr lang="en-US" sz="2000" dirty="0"/>
-          </a:p>
-        </p:txBody>
-      </p:sp>
-      <p:sp>
-        <p:nvSpPr>
-          <p:cNvPr id="5" name="Text 1"/>
-          <p:cNvSpPr/>
-          <p:nvPr>
-            <p:ph idx="106" type="body" hasCustomPrompt="1"/>
-          </p:nvPr>
-        </p:nvSpPr>
-        <p:spPr>
-          <a:xfrm>
-            <a:off x="8092440" y="5303520"/>
-            <a:ext cx="3319272" cy="914400"/>
-          </a:xfrm>
-          <a:prstGeom prst="rect">
-            <a:avLst/>
-          </a:prstGeom>
-          <a:noFill/>
-          <a:ln/>
-        </p:spPr>
-        <p:txBody>
-          <a:bodyPr wrap="square" rtlCol="0" anchor="ctr"/>
-          <a:lstStyle/>
-          <a:p>
-            <a:pPr algn="ctr" indent="0" marL="0">
-              <a:buNone/>
-            </a:pPr>
-            <a:r>
-              <a:rPr lang="en-US" sz="2000" dirty="0">
-                <a:solidFill>
-                  <a:srgbClr val="131212"/>
-                </a:solidFill>
-                <a:latin typeface="Book Antiqua" pitchFamily="34" charset="0"/>
-                <a:ea typeface="Book Antiqua" pitchFamily="34" charset="-122"/>
-                <a:cs typeface="Book Antiqua" pitchFamily="34" charset="-120"/>
-              </a:rPr>
-              <a:t>Sourav Sharma</a:t>
+              </a:rPr>
+              <a:t>Atom Real Steel</a:t>
             </a:r>
             <a:endParaRPr lang="en-US" sz="2000" dirty="0"/>
           </a:p>
@@ -8328,8 +8235,8 @@
           </a:solidFill>
           <a:ln/>
           <a:effectLst>
-            <a:outerShdw sx="100000" sy="100000" kx="0" ky="0" algn="bl" rotWithShape="0" blurRad="228600" dist="25400" dir="2700000">
-              <a:srgbClr val="1e1c1d">
+            <a:outerShdw blurRad="228600" dist="25400" dir="2700000" algn="bl" rotWithShape="0">
+              <a:srgbClr val="1E1C1D">
                 <a:alpha val="50000"/>
               </a:srgbClr>
             </a:outerShdw>
@@ -8355,8 +8262,8 @@
           </a:solidFill>
           <a:ln/>
           <a:effectLst>
-            <a:outerShdw sx="100000" sy="100000" kx="0" ky="0" algn="bl" rotWithShape="0" blurRad="228600" dist="25400" dir="2700000">
-              <a:srgbClr val="1e1c1d">
+            <a:outerShdw blurRad="228600" dist="25400" dir="2700000" algn="bl" rotWithShape="0">
+              <a:srgbClr val="1E1C1D">
                 <a:alpha val="50000"/>
               </a:srgbClr>
             </a:outerShdw>
@@ -8382,8 +8289,8 @@
           </a:solidFill>
           <a:ln/>
           <a:effectLst>
-            <a:outerShdw sx="100000" sy="100000" kx="0" ky="0" algn="bl" rotWithShape="0" blurRad="228600" dist="25400" dir="2700000">
-              <a:srgbClr val="1e1c1d">
+            <a:outerShdw blurRad="228600" dist="25400" dir="2700000" algn="bl" rotWithShape="0">
+              <a:srgbClr val="1E1C1D">
                 <a:alpha val="50000"/>
               </a:srgbClr>
             </a:outerShdw>
@@ -8392,38 +8299,12 @@
       </p:sp>
       <p:pic>
         <p:nvPicPr>
-          <p:cNvPr id="9" name="Image 0" descr="preencoded.png">    </p:cNvPr>
+          <p:cNvPr id="9" name="Image 0" descr="preencoded.png"/>
           <p:cNvPicPr>
-            <a:picLocks noChangeAspect="1"/>
+            <a:picLocks noGrp="1" noChangeAspect="1"/>
           </p:cNvPicPr>
           <p:nvPr>
             <p:ph idx="103" hasCustomPrompt="1"/>
-          </p:nvPr>
-        </p:nvPicPr>
-        <p:blipFill>
-          <a:blip r:embed="rId2"/>
-          <a:stretch>
-            <a:fillRect/>
-          </a:stretch>
-        </p:blipFill>
-        <p:spPr>
-          <a:xfrm>
-            <a:off x="630936" y="1755648"/>
-            <a:ext cx="3319272" cy="3319272"/>
-          </a:xfrm>
-          <a:prstGeom prst="rect">
-            <a:avLst/>
-          </a:prstGeom>
-        </p:spPr>
-      </p:pic>
-      <p:pic>
-        <p:nvPicPr>
-          <p:cNvPr id="10" name="Image 1" descr="preencoded.png">    </p:cNvPr>
-          <p:cNvPicPr>
-            <a:picLocks noChangeAspect="1"/>
-          </p:cNvPicPr>
-          <p:nvPr>
-            <p:ph idx="105" hasCustomPrompt="1"/>
           </p:nvPr>
         </p:nvPicPr>
         <p:blipFill>
@@ -8434,7 +8315,7 @@
         </p:blipFill>
         <p:spPr>
           <a:xfrm>
-            <a:off x="4398264" y="1755648"/>
+            <a:off x="630936" y="1755648"/>
             <a:ext cx="3319272" cy="3319272"/>
           </a:xfrm>
           <a:prstGeom prst="rect">
@@ -8444,22 +8325,48 @@
       </p:pic>
       <p:pic>
         <p:nvPicPr>
-          <p:cNvPr id="11" name="Image 2" descr="preencoded.png">    </p:cNvPr>
+          <p:cNvPr id="10" name="Image 1" descr="preencoded.png"/>
           <p:cNvPicPr>
-            <a:picLocks noChangeAspect="1"/>
+            <a:picLocks noGrp="1" noChangeAspect="1"/>
           </p:cNvPicPr>
           <p:nvPr>
-            <p:ph idx="107" hasCustomPrompt="1"/>
+            <p:ph idx="105" hasCustomPrompt="1"/>
           </p:nvPr>
         </p:nvPicPr>
         <p:blipFill>
-          <a:blip r:embed="rId4"/>
+          <a:blip r:embed="rId3"/>
           <a:stretch>
             <a:fillRect/>
           </a:stretch>
         </p:blipFill>
         <p:spPr>
           <a:xfrm>
+            <a:off x="4398264" y="1755648"/>
+            <a:ext cx="3319272" cy="3319272"/>
+          </a:xfrm>
+          <a:prstGeom prst="rect">
+            <a:avLst/>
+          </a:prstGeom>
+        </p:spPr>
+      </p:pic>
+      <p:pic>
+        <p:nvPicPr>
+          <p:cNvPr id="11" name="Image 2" descr="preencoded.png"/>
+          <p:cNvPicPr>
+            <a:picLocks noGrp="1" noChangeAspect="1"/>
+          </p:cNvPicPr>
+          <p:nvPr>
+            <p:ph idx="107" hasCustomPrompt="1"/>
+          </p:nvPr>
+        </p:nvPicPr>
+        <p:blipFill>
+          <a:blip r:embed="rId3"/>
+          <a:stretch>
+            <a:fillRect/>
+          </a:stretch>
+        </p:blipFill>
+        <p:spPr>
+          <a:xfrm>
             <a:off x="8092440" y="1755648"/>
             <a:ext cx="3319272" cy="3291840"/>
           </a:xfrm>
@@ -8471,9 +8378,11 @@
       <p:sp>
         <p:nvSpPr>
           <p:cNvPr id="12" name="Text 2"/>
-          <p:cNvSpPr/>
-          <p:nvPr>
-            <p:ph idx="109" type="body" hasCustomPrompt="1"/>
+          <p:cNvSpPr>
+            <a:spLocks noGrp="1"/>
+          </p:cNvSpPr>
+          <p:nvPr>
+            <p:ph type="body" idx="109" hasCustomPrompt="1"/>
           </p:nvPr>
         </p:nvSpPr>
         <p:spPr>
@@ -8491,7 +8400,7 @@
           <a:bodyPr wrap="square" rtlCol="0" anchor="ctr"/>
           <a:lstStyle/>
           <a:p>
-            <a:pPr algn="ctr" indent="0" marL="0">
+            <a:pPr marL="0" indent="0" algn="ctr">
               <a:buNone/>
             </a:pPr>
             <a:r>
@@ -8509,6 +8418,94 @@
           </a:p>
         </p:txBody>
       </p:sp>
+      <p:pic>
+        <p:nvPicPr>
+          <p:cNvPr id="14" name="Picture 13">
+            <a:extLst>
+              <a:ext uri="{FF2B5EF4-FFF2-40B4-BE49-F238E27FC236}">
+                <a16:creationId xmlns:a16="http://schemas.microsoft.com/office/drawing/2014/main" id="{756226EA-1E3F-80DB-DBE6-90B99D71ED83}"/>
+              </a:ext>
+            </a:extLst>
+          </p:cNvPr>
+          <p:cNvPicPr>
+            <a:picLocks noChangeAspect="1"/>
+          </p:cNvPicPr>
+          <p:nvPr/>
+        </p:nvPicPr>
+        <p:blipFill rotWithShape="1">
+          <a:blip r:embed="rId4"/>
+          <a:srcRect t="2727" b="21515"/>
+          <a:stretch/>
+        </p:blipFill>
+        <p:spPr>
+          <a:xfrm>
+            <a:off x="4536047" y="1769364"/>
+            <a:ext cx="3043705" cy="3319271"/>
+          </a:xfrm>
+          <a:prstGeom prst="rect">
+            <a:avLst/>
+          </a:prstGeom>
+        </p:spPr>
+      </p:pic>
+      <p:pic>
+        <p:nvPicPr>
+          <p:cNvPr id="16" name="Picture 15">
+            <a:extLst>
+              <a:ext uri="{FF2B5EF4-FFF2-40B4-BE49-F238E27FC236}">
+                <a16:creationId xmlns:a16="http://schemas.microsoft.com/office/drawing/2014/main" id="{7F3D1F05-B951-12D9-3619-747FCFC0D684}"/>
+              </a:ext>
+            </a:extLst>
+          </p:cNvPr>
+          <p:cNvPicPr>
+            <a:picLocks noChangeAspect="1"/>
+          </p:cNvPicPr>
+          <p:nvPr/>
+        </p:nvPicPr>
+        <p:blipFill>
+          <a:blip r:embed="rId5"/>
+          <a:stretch>
+            <a:fillRect/>
+          </a:stretch>
+        </p:blipFill>
+        <p:spPr>
+          <a:xfrm>
+            <a:off x="8088305" y="1751076"/>
+            <a:ext cx="3314263" cy="3305555"/>
+          </a:xfrm>
+          <a:prstGeom prst="rect">
+            <a:avLst/>
+          </a:prstGeom>
+        </p:spPr>
+      </p:pic>
+      <p:pic>
+        <p:nvPicPr>
+          <p:cNvPr id="18" name="Picture 17">
+            <a:extLst>
+              <a:ext uri="{FF2B5EF4-FFF2-40B4-BE49-F238E27FC236}">
+                <a16:creationId xmlns:a16="http://schemas.microsoft.com/office/drawing/2014/main" id="{5CE5F0AC-6C1B-7205-E8AA-5656FD34B6B0}"/>
+              </a:ext>
+            </a:extLst>
+          </p:cNvPr>
+          <p:cNvPicPr>
+            <a:picLocks noChangeAspect="1"/>
+          </p:cNvPicPr>
+          <p:nvPr/>
+        </p:nvPicPr>
+        <p:blipFill rotWithShape="1">
+          <a:blip r:embed="rId6"/>
+          <a:srcRect t="16666" b="26000"/>
+          <a:stretch/>
+        </p:blipFill>
+        <p:spPr>
+          <a:xfrm>
+            <a:off x="621792" y="1746503"/>
+            <a:ext cx="3319272" cy="3319273"/>
+          </a:xfrm>
+          <a:prstGeom prst="rect">
+            <a:avLst/>
+          </a:prstGeom>
+        </p:spPr>
+      </p:pic>
     </p:spTree>
   </p:cSld>
   <p:clrMapOvr>
@@ -8523,7 +8520,7 @@
     <p:bg>
       <p:bgPr>
         <a:blipFill dpi="0" rotWithShape="1">
-          <a:blip r:embed="rId1">
+          <a:blip r:embed="rId3">
             <a:lum/>
           </a:blip>
           <a:srcRect/>
@@ -8551,9 +8548,11 @@
       <p:sp>
         <p:nvSpPr>
           <p:cNvPr id="2" name="Text 1"/>
-          <p:cNvSpPr/>
-          <p:nvPr>
-            <p:ph idx="101" type="title" hasCustomPrompt="1"/>
+          <p:cNvSpPr>
+            <a:spLocks noGrp="1"/>
+          </p:cNvSpPr>
+          <p:nvPr>
+            <p:ph type="title" idx="101" hasCustomPrompt="1"/>
           </p:nvPr>
         </p:nvSpPr>
         <p:spPr>
@@ -8571,7 +8570,7 @@
           <a:bodyPr wrap="square" rtlCol="0" anchor="ctr"/>
           <a:lstStyle/>
           <a:p>
-            <a:pPr algn="l" indent="0" marL="0">
+            <a:pPr marL="0" indent="0" algn="l">
               <a:buNone/>
             </a:pPr>
             <a:r>
@@ -8592,9 +8591,11 @@
       <p:sp>
         <p:nvSpPr>
           <p:cNvPr id="3" name="Text 1"/>
-          <p:cNvSpPr/>
-          <p:nvPr>
-            <p:ph idx="102" type="body" hasCustomPrompt="1"/>
+          <p:cNvSpPr>
+            <a:spLocks noGrp="1"/>
+          </p:cNvSpPr>
+          <p:nvPr>
+            <p:ph type="body" idx="102" hasCustomPrompt="1"/>
           </p:nvPr>
         </p:nvSpPr>
         <p:spPr>
@@ -8612,7 +8613,7 @@
           <a:bodyPr wrap="square" rtlCol="0" anchor="ctr"/>
           <a:lstStyle/>
           <a:p>
-            <a:pPr algn="l" indent="0" marL="0">
+            <a:pPr marL="0" indent="0" algn="l">
               <a:buNone/>
             </a:pPr>
             <a:r>
@@ -8635,9 +8636,11 @@
       <p:sp>
         <p:nvSpPr>
           <p:cNvPr id="4" name="Text 1"/>
-          <p:cNvSpPr/>
-          <p:nvPr>
-            <p:ph idx="103" type="body" hasCustomPrompt="1"/>
+          <p:cNvSpPr>
+            <a:spLocks noGrp="1"/>
+          </p:cNvSpPr>
+          <p:nvPr>
+            <p:ph type="body" idx="103" hasCustomPrompt="1"/>
           </p:nvPr>
         </p:nvSpPr>
         <p:spPr>
@@ -8655,7 +8658,7 @@
           <a:bodyPr wrap="square" rtlCol="0" anchor="t"/>
           <a:lstStyle/>
           <a:p>
-            <a:pPr algn="l" indent="0" marL="0">
+            <a:pPr marL="0" indent="0" algn="l">
               <a:buNone/>
             </a:pPr>
             <a:r>
@@ -8676,9 +8679,11 @@
       <p:sp>
         <p:nvSpPr>
           <p:cNvPr id="5" name="Text 2"/>
-          <p:cNvSpPr/>
-          <p:nvPr>
-            <p:ph idx="105" type="body" hasCustomPrompt="1"/>
+          <p:cNvSpPr>
+            <a:spLocks noGrp="1"/>
+          </p:cNvSpPr>
+          <p:nvPr>
+            <p:ph type="body" idx="105" hasCustomPrompt="1"/>
           </p:nvPr>
         </p:nvSpPr>
         <p:spPr>
@@ -8696,7 +8701,7 @@
           <a:bodyPr wrap="square" rtlCol="0" anchor="ctr"/>
           <a:lstStyle/>
           <a:p>
-            <a:pPr algn="ctr" indent="0" marL="0">
+            <a:pPr marL="0" indent="0" algn="ctr">
               <a:buNone/>
             </a:pPr>
             <a:r>
@@ -8728,7 +8733,7 @@
     <p:bg>
       <p:bgPr>
         <a:blipFill dpi="0" rotWithShape="1">
-          <a:blip r:embed="rId1">
+          <a:blip r:embed="rId3">
             <a:lum/>
           </a:blip>
           <a:srcRect/>
@@ -8756,9 +8761,11 @@
       <p:sp>
         <p:nvSpPr>
           <p:cNvPr id="2" name="Text 1"/>
-          <p:cNvSpPr/>
-          <p:nvPr>
-            <p:ph idx="101" type="title" hasCustomPrompt="1"/>
+          <p:cNvSpPr>
+            <a:spLocks noGrp="1"/>
+          </p:cNvSpPr>
+          <p:nvPr>
+            <p:ph type="title" idx="101" hasCustomPrompt="1"/>
           </p:nvPr>
         </p:nvSpPr>
         <p:spPr>
@@ -8776,7 +8783,7 @@
           <a:bodyPr wrap="square" rtlCol="0" anchor="ctr"/>
           <a:lstStyle/>
           <a:p>
-            <a:pPr algn="l" indent="0" marL="0">
+            <a:pPr marL="0" indent="0" algn="l">
               <a:buNone/>
             </a:pPr>
             <a:r>
@@ -8797,9 +8804,11 @@
       <p:sp>
         <p:nvSpPr>
           <p:cNvPr id="3" name="Text 1"/>
-          <p:cNvSpPr/>
-          <p:nvPr>
-            <p:ph idx="102" type="body" hasCustomPrompt="1"/>
+          <p:cNvSpPr>
+            <a:spLocks noGrp="1"/>
+          </p:cNvSpPr>
+          <p:nvPr>
+            <p:ph type="body" idx="102" hasCustomPrompt="1"/>
           </p:nvPr>
         </p:nvSpPr>
         <p:spPr>
@@ -8817,7 +8826,7 @@
           <a:bodyPr wrap="square" rtlCol="0" anchor="ctr"/>
           <a:lstStyle/>
           <a:p>
-            <a:pPr algn="l" indent="0" marL="0">
+            <a:pPr marL="0" indent="0" algn="l">
               <a:buNone/>
             </a:pPr>
             <a:r>
@@ -8840,9 +8849,11 @@
       <p:sp>
         <p:nvSpPr>
           <p:cNvPr id="4" name="Text 1"/>
-          <p:cNvSpPr/>
-          <p:nvPr>
-            <p:ph idx="103" type="body" hasCustomPrompt="1"/>
+          <p:cNvSpPr>
+            <a:spLocks noGrp="1"/>
+          </p:cNvSpPr>
+          <p:nvPr>
+            <p:ph type="body" idx="103" hasCustomPrompt="1"/>
           </p:nvPr>
         </p:nvSpPr>
         <p:spPr>
@@ -8860,7 +8871,7 @@
           <a:bodyPr wrap="square" rtlCol="0" anchor="t"/>
           <a:lstStyle/>
           <a:p>
-            <a:pPr algn="l" indent="0" marL="0">
+            <a:pPr marL="0" indent="0" algn="l">
               <a:buNone/>
             </a:pPr>
             <a:r>
@@ -8881,9 +8892,11 @@
       <p:sp>
         <p:nvSpPr>
           <p:cNvPr id="5" name="Text 2"/>
-          <p:cNvSpPr/>
-          <p:nvPr>
-            <p:ph idx="105" type="body" hasCustomPrompt="1"/>
+          <p:cNvSpPr>
+            <a:spLocks noGrp="1"/>
+          </p:cNvSpPr>
+          <p:nvPr>
+            <p:ph type="body" idx="105" hasCustomPrompt="1"/>
           </p:nvPr>
         </p:nvSpPr>
         <p:spPr>
@@ -8901,7 +8914,7 @@
           <a:bodyPr wrap="square" rtlCol="0" anchor="ctr"/>
           <a:lstStyle/>
           <a:p>
-            <a:pPr algn="ctr" indent="0" marL="0">
+            <a:pPr marL="0" indent="0" algn="ctr">
               <a:buNone/>
             </a:pPr>
             <a:r>
@@ -9220,4 +9233,299 @@
     </a:ext>
   </a:extLst>
 </a:theme>
+</file>
+
+<file path=ppt/theme/theme2.xml><?xml version="1.0" encoding="utf-8"?>
+<a:theme xmlns:a="http://schemas.openxmlformats.org/drawingml/2006/main" name="Office Theme">
+  <a:themeElements>
+    <a:clrScheme name="Office">
+      <a:dk1>
+        <a:sysClr val="windowText" lastClr="000000"/>
+      </a:dk1>
+      <a:lt1>
+        <a:sysClr val="window" lastClr="FFFFFF"/>
+      </a:lt1>
+      <a:dk2>
+        <a:srgbClr val="44546A"/>
+      </a:dk2>
+      <a:lt2>
+        <a:srgbClr val="E7E6E6"/>
+      </a:lt2>
+      <a:accent1>
+        <a:srgbClr val="4472C4"/>
+      </a:accent1>
+      <a:accent2>
+        <a:srgbClr val="ED7D31"/>
+      </a:accent2>
+      <a:accent3>
+        <a:srgbClr val="A5A5A5"/>
+      </a:accent3>
+      <a:accent4>
+        <a:srgbClr val="FFC000"/>
+      </a:accent4>
+      <a:accent5>
+        <a:srgbClr val="5B9BD5"/>
+      </a:accent5>
+      <a:accent6>
+        <a:srgbClr val="70AD47"/>
+      </a:accent6>
+      <a:hlink>
+        <a:srgbClr val="0563C1"/>
+      </a:hlink>
+      <a:folHlink>
+        <a:srgbClr val="954F72"/>
+      </a:folHlink>
+    </a:clrScheme>
+    <a:fontScheme name="Office">
+      <a:majorFont>
+        <a:latin typeface="Calibri Light" panose="020F0302020204030204"/>
+        <a:ea typeface=""/>
+        <a:cs typeface=""/>
+        <a:font script="Jpan" typeface="游ゴシック Light"/>
+        <a:font script="Hang" typeface="맑은 고딕"/>
+        <a:font script="Hans" typeface="等线 Light"/>
+        <a:font script="Hant" typeface="新細明體"/>
+        <a:font script="Arab" typeface="Times New Roman"/>
+        <a:font script="Hebr" typeface="Times New Roman"/>
+        <a:font script="Thai" typeface="Angsana New"/>
+        <a:font script="Ethi" typeface="Nyala"/>
+        <a:font script="Beng" typeface="Vrinda"/>
+        <a:font script="Gujr" typeface="Shruti"/>
+        <a:font script="Khmr" typeface="MoolBoran"/>
+        <a:font script="Knda" typeface="Tunga"/>
+        <a:font script="Guru" typeface="Raavi"/>
+        <a:font script="Cans" typeface="Euphemia"/>
+        <a:font script="Cher" typeface="Plantagenet Cherokee"/>
+        <a:font script="Yiii" typeface="Microsoft Yi Baiti"/>
+        <a:font script="Tibt" typeface="Microsoft Himalaya"/>
+        <a:font script="Thaa" typeface="MV Boli"/>
+        <a:font script="Deva" typeface="Mangal"/>
+        <a:font script="Telu" typeface="Gautami"/>
+        <a:font script="Taml" typeface="Latha"/>
+        <a:font script="Syrc" typeface="Estrangelo Edessa"/>
+        <a:font script="Orya" typeface="Kalinga"/>
+        <a:font script="Mlym" typeface="Kartika"/>
+        <a:font script="Laoo" typeface="DokChampa"/>
+        <a:font script="Sinh" typeface="Iskoola Pota"/>
+        <a:font script="Mong" typeface="Mongolian Baiti"/>
+        <a:font script="Viet" typeface="Times New Roman"/>
+        <a:font script="Uigh" typeface="Microsoft Uighur"/>
+        <a:font script="Geor" typeface="Sylfaen"/>
+        <a:font script="Armn" typeface="Arial"/>
+        <a:font script="Bugi" typeface="Leelawadee UI"/>
+        <a:font script="Bopo" typeface="Microsoft JhengHei"/>
+        <a:font script="Java" typeface="Javanese Text"/>
+        <a:font script="Lisu" typeface="Segoe UI"/>
+        <a:font script="Mymr" typeface="Myanmar Text"/>
+        <a:font script="Nkoo" typeface="Ebrima"/>
+        <a:font script="Olck" typeface="Nirmala UI"/>
+        <a:font script="Osma" typeface="Ebrima"/>
+        <a:font script="Phag" typeface="Phagspa"/>
+        <a:font script="Syrn" typeface="Estrangelo Edessa"/>
+        <a:font script="Syrj" typeface="Estrangelo Edessa"/>
+        <a:font script="Syre" typeface="Estrangelo Edessa"/>
+        <a:font script="Sora" typeface="Nirmala UI"/>
+        <a:font script="Tale" typeface="Microsoft Tai Le"/>
+        <a:font script="Talu" typeface="Microsoft New Tai Lue"/>
+        <a:font script="Tfng" typeface="Ebrima"/>
+      </a:majorFont>
+      <a:minorFont>
+        <a:latin typeface="Calibri" panose="020F0502020204030204"/>
+        <a:ea typeface=""/>
+        <a:cs typeface=""/>
+        <a:font script="Jpan" typeface="游ゴシック"/>
+        <a:font script="Hang" typeface="맑은 고딕"/>
+        <a:font script="Hans" typeface="等线"/>
+        <a:font script="Hant" typeface="新細明體"/>
+        <a:font script="Arab" typeface="Arial"/>
+        <a:font script="Hebr" typeface="Arial"/>
+        <a:font script="Thai" typeface="Cordia New"/>
+        <a:font script="Ethi" typeface="Nyala"/>
+        <a:font script="Beng" typeface="Vrinda"/>
+        <a:font script="Gujr" typeface="Shruti"/>
+        <a:font script="Khmr" typeface="DaunPenh"/>
+        <a:font script="Knda" typeface="Tunga"/>
+        <a:font script="Guru" typeface="Raavi"/>
+        <a:font script="Cans" typeface="Euphemia"/>
+        <a:font script="Cher" typeface="Plantagenet Cherokee"/>
+        <a:font script="Yiii" typeface="Microsoft Yi Baiti"/>
+        <a:font script="Tibt" typeface="Microsoft Himalaya"/>
+        <a:font script="Thaa" typeface="MV Boli"/>
+        <a:font script="Deva" typeface="Mangal"/>
+        <a:font script="Telu" typeface="Gautami"/>
+        <a:font script="Taml" typeface="Latha"/>
+        <a:font script="Syrc" typeface="Estrangelo Edessa"/>
+        <a:font script="Orya" typeface="Kalinga"/>
+        <a:font script="Mlym" typeface="Kartika"/>
+        <a:font script="Laoo" typeface="DokChampa"/>
+        <a:font script="Sinh" typeface="Iskoola Pota"/>
+        <a:font script="Mong" typeface="Mongolian Baiti"/>
+        <a:font script="Viet" typeface="Arial"/>
+        <a:font script="Uigh" typeface="Microsoft Uighur"/>
+        <a:font script="Geor" typeface="Sylfaen"/>
+        <a:font script="Armn" typeface="Arial"/>
+        <a:font script="Bugi" typeface="Leelawadee UI"/>
+        <a:font script="Bopo" typeface="Microsoft JhengHei"/>
+        <a:font script="Java" typeface="Javanese Text"/>
+        <a:font script="Lisu" typeface="Segoe UI"/>
+        <a:font script="Mymr" typeface="Myanmar Text"/>
+        <a:font script="Nkoo" typeface="Ebrima"/>
+        <a:font script="Olck" typeface="Nirmala UI"/>
+        <a:font script="Osma" typeface="Ebrima"/>
+        <a:font script="Phag" typeface="Phagspa"/>
+        <a:font script="Syrn" typeface="Estrangelo Edessa"/>
+        <a:font script="Syrj" typeface="Estrangelo Edessa"/>
+        <a:font script="Syre" typeface="Estrangelo Edessa"/>
+        <a:font script="Sora" typeface="Nirmala UI"/>
+        <a:font script="Tale" typeface="Microsoft Tai Le"/>
+        <a:font script="Talu" typeface="Microsoft New Tai Lue"/>
+        <a:font script="Tfng" typeface="Ebrima"/>
+      </a:minorFont>
+    </a:fontScheme>
+    <a:fmtScheme name="Office">
+      <a:fillStyleLst>
+        <a:solidFill>
+          <a:schemeClr val="phClr"/>
+        </a:solidFill>
+        <a:gradFill rotWithShape="1">
+          <a:gsLst>
+            <a:gs pos="0">
+              <a:schemeClr val="phClr">
+                <a:lumMod val="110000"/>
+                <a:satMod val="105000"/>
+                <a:tint val="67000"/>
+              </a:schemeClr>
+            </a:gs>
+            <a:gs pos="50000">
+              <a:schemeClr val="phClr">
+                <a:lumMod val="105000"/>
+                <a:satMod val="103000"/>
+                <a:tint val="73000"/>
+              </a:schemeClr>
+            </a:gs>
+            <a:gs pos="100000">
+              <a:schemeClr val="phClr">
+                <a:lumMod val="105000"/>
+                <a:satMod val="109000"/>
+                <a:tint val="81000"/>
+              </a:schemeClr>
+            </a:gs>
+          </a:gsLst>
+          <a:lin ang="5400000" scaled="0"/>
+        </a:gradFill>
+        <a:gradFill rotWithShape="1">
+          <a:gsLst>
+            <a:gs pos="0">
+              <a:schemeClr val="phClr">
+                <a:satMod val="103000"/>
+                <a:lumMod val="102000"/>
+                <a:tint val="94000"/>
+              </a:schemeClr>
+            </a:gs>
+            <a:gs pos="50000">
+              <a:schemeClr val="phClr">
+                <a:satMod val="110000"/>
+                <a:lumMod val="100000"/>
+                <a:shade val="100000"/>
+              </a:schemeClr>
+            </a:gs>
+            <a:gs pos="100000">
+              <a:schemeClr val="phClr">
+                <a:lumMod val="99000"/>
+                <a:satMod val="120000"/>
+                <a:shade val="78000"/>
+              </a:schemeClr>
+            </a:gs>
+          </a:gsLst>
+          <a:lin ang="5400000" scaled="0"/>
+        </a:gradFill>
+      </a:fillStyleLst>
+      <a:lnStyleLst>
+        <a:ln w="6350" cap="flat" cmpd="sng" algn="ctr">
+          <a:solidFill>
+            <a:schemeClr val="phClr"/>
+          </a:solidFill>
+          <a:prstDash val="solid"/>
+          <a:miter lim="800000"/>
+        </a:ln>
+        <a:ln w="12700" cap="flat" cmpd="sng" algn="ctr">
+          <a:solidFill>
+            <a:schemeClr val="phClr"/>
+          </a:solidFill>
+          <a:prstDash val="solid"/>
+          <a:miter lim="800000"/>
+        </a:ln>
+        <a:ln w="19050" cap="flat" cmpd="sng" algn="ctr">
+          <a:solidFill>
+            <a:schemeClr val="phClr"/>
+          </a:solidFill>
+          <a:prstDash val="solid"/>
+          <a:miter lim="800000"/>
+        </a:ln>
+      </a:lnStyleLst>
+      <a:effectStyleLst>
+        <a:effectStyle>
+          <a:effectLst/>
+        </a:effectStyle>
+        <a:effectStyle>
+          <a:effectLst/>
+        </a:effectStyle>
+        <a:effectStyle>
+          <a:effectLst>
+            <a:outerShdw blurRad="57150" dist="19050" dir="5400000" algn="ctr" rotWithShape="0">
+              <a:srgbClr val="000000">
+                <a:alpha val="63000"/>
+              </a:srgbClr>
+            </a:outerShdw>
+          </a:effectLst>
+        </a:effectStyle>
+      </a:effectStyleLst>
+      <a:bgFillStyleLst>
+        <a:solidFill>
+          <a:schemeClr val="phClr"/>
+        </a:solidFill>
+        <a:solidFill>
+          <a:schemeClr val="phClr">
+            <a:tint val="95000"/>
+            <a:satMod val="170000"/>
+          </a:schemeClr>
+        </a:solidFill>
+        <a:gradFill rotWithShape="1">
+          <a:gsLst>
+            <a:gs pos="0">
+              <a:schemeClr val="phClr">
+                <a:tint val="93000"/>
+                <a:satMod val="150000"/>
+                <a:shade val="98000"/>
+                <a:lumMod val="102000"/>
+              </a:schemeClr>
+            </a:gs>
+            <a:gs pos="50000">
+              <a:schemeClr val="phClr">
+                <a:tint val="98000"/>
+                <a:satMod val="130000"/>
+                <a:shade val="90000"/>
+                <a:lumMod val="103000"/>
+              </a:schemeClr>
+            </a:gs>
+            <a:gs pos="100000">
+              <a:schemeClr val="phClr">
+                <a:shade val="63000"/>
+                <a:satMod val="120000"/>
+              </a:schemeClr>
+            </a:gs>
+          </a:gsLst>
+          <a:lin ang="5400000" scaled="0"/>
+        </a:gradFill>
+      </a:bgFillStyleLst>
+    </a:fmtScheme>
+  </a:themeElements>
+  <a:objectDefaults/>
+  <a:extraClrSchemeLst/>
+  <a:extLst>
+    <a:ext uri="{05A4C25C-085E-4340-85A3-A5531E510DB2}">
+      <thm15:themeFamily xmlns:thm15="http://schemas.microsoft.com/office/thememl/2012/main" name="Office Theme" id="{62F939B6-93AF-4DB8-9C6B-D6C7DFDC589F}" vid="{4A3C46E8-61CC-4603-A589-7422A47A8E4A}"/>
+    </a:ext>
+  </a:extLst>
+</a:theme>
 </file>